--- a/module-1/01-12 Formatting Reponse Data in your API/01-12 Formatting Response Data in your API.pptx
+++ b/module-1/01-12 Formatting Reponse Data in your API/01-12 Formatting Response Data in your API.pptx
@@ -6,21 +6,20 @@
     <p:sldMasterId id="2147483720" r:id="rId2"/>
   </p:sldMasterIdLst>
   <p:notesMasterIdLst>
-    <p:notesMasterId r:id="rId15"/>
+    <p:notesMasterId r:id="rId14"/>
   </p:notesMasterIdLst>
   <p:sldIdLst>
-    <p:sldId id="261" r:id="rId3"/>
-    <p:sldId id="256" r:id="rId4"/>
-    <p:sldId id="262" r:id="rId5"/>
-    <p:sldId id="263" r:id="rId6"/>
-    <p:sldId id="264" r:id="rId7"/>
-    <p:sldId id="265" r:id="rId8"/>
-    <p:sldId id="266" r:id="rId9"/>
-    <p:sldId id="267" r:id="rId10"/>
-    <p:sldId id="268" r:id="rId11"/>
-    <p:sldId id="269" r:id="rId12"/>
-    <p:sldId id="270" r:id="rId13"/>
-    <p:sldId id="271" r:id="rId14"/>
+    <p:sldId id="256" r:id="rId3"/>
+    <p:sldId id="262" r:id="rId4"/>
+    <p:sldId id="263" r:id="rId5"/>
+    <p:sldId id="264" r:id="rId6"/>
+    <p:sldId id="265" r:id="rId7"/>
+    <p:sldId id="266" r:id="rId8"/>
+    <p:sldId id="267" r:id="rId9"/>
+    <p:sldId id="268" r:id="rId10"/>
+    <p:sldId id="269" r:id="rId11"/>
+    <p:sldId id="270" r:id="rId12"/>
+    <p:sldId id="271" r:id="rId13"/>
   </p:sldIdLst>
   <p:sldSz cx="12192000" cy="6858000"/>
   <p:notesSz cx="6858000" cy="9144000"/>
@@ -4114,7 +4113,7 @@
           <a:p>
             <a:fld id="{FB017F78-98C7-485A-9214-AE5F1D7C967C}" type="datetimeFigureOut">
               <a:rPr lang="en-US" smtClean="0"/>
-              <a:t>9/28/2021</a:t>
+              <a:t>5/17/2022</a:t>
             </a:fld>
             <a:endParaRPr lang="en-US"/>
           </a:p>
@@ -4425,158 +4424,6 @@
           <a:bodyPr/>
           <a:lstStyle/>
           <a:p>
-            <a:endParaRPr lang="en-US" dirty="0"/>
-          </a:p>
-        </p:txBody>
-      </p:sp>
-      <p:sp>
-        <p:nvSpPr>
-          <p:cNvPr id="4" name="Slide Number Placeholder 3"/>
-          <p:cNvSpPr>
-            <a:spLocks noGrp="1"/>
-          </p:cNvSpPr>
-          <p:nvPr>
-            <p:ph type="sldNum" sz="quarter" idx="10"/>
-          </p:nvPr>
-        </p:nvSpPr>
-        <p:spPr>
-          <a:xfrm>
-            <a:off x="3884613" y="8685213"/>
-            <a:ext cx="2971800" cy="457200"/>
-          </a:xfrm>
-          <a:prstGeom prst="rect">
-            <a:avLst/>
-          </a:prstGeom>
-        </p:spPr>
-        <p:txBody>
-          <a:bodyPr/>
-          <a:lstStyle/>
-          <a:p>
-            <a:pPr marL="0" marR="0" lvl="0" indent="0" algn="l" defTabSz="914400" rtl="0" eaLnBrk="1" fontAlgn="auto" latinLnBrk="0" hangingPunct="1">
-              <a:lnSpc>
-                <a:spcPct val="100000"/>
-              </a:lnSpc>
-              <a:spcBef>
-                <a:spcPts val="0"/>
-              </a:spcBef>
-              <a:spcAft>
-                <a:spcPts val="0"/>
-              </a:spcAft>
-              <a:buClrTx/>
-              <a:buSzTx/>
-              <a:buFontTx/>
-              <a:buNone/>
-              <a:tabLst/>
-              <a:defRPr/>
-            </a:pPr>
-            <a:fld id="{DE326DE0-BACA-4EA0-B73F-CC7DC1D7F4A1}" type="slidenum">
-              <a:rPr kumimoji="0" lang="en-US" sz="1800" b="0" i="0" u="none" strike="noStrike" kern="1200" cap="none" spc="0" normalizeH="0" baseline="0" noProof="0" smtClean="0">
-                <a:ln>
-                  <a:noFill/>
-                </a:ln>
-                <a:solidFill>
-                  <a:prstClr val="black"/>
-                </a:solidFill>
-                <a:effectLst/>
-                <a:uLnTx/>
-                <a:uFillTx/>
-                <a:latin typeface="Calibri"/>
-                <a:ea typeface="+mn-ea"/>
-                <a:cs typeface="+mn-cs"/>
-              </a:rPr>
-              <a:pPr marL="0" marR="0" lvl="0" indent="0" algn="l" defTabSz="914400" rtl="0" eaLnBrk="1" fontAlgn="auto" latinLnBrk="0" hangingPunct="1">
-                <a:lnSpc>
-                  <a:spcPct val="100000"/>
-                </a:lnSpc>
-                <a:spcBef>
-                  <a:spcPts val="0"/>
-                </a:spcBef>
-                <a:spcAft>
-                  <a:spcPts val="0"/>
-                </a:spcAft>
-                <a:buClrTx/>
-                <a:buSzTx/>
-                <a:buFontTx/>
-                <a:buNone/>
-                <a:tabLst/>
-                <a:defRPr/>
-              </a:pPr>
-              <a:t>1</a:t>
-            </a:fld>
-            <a:endParaRPr kumimoji="0" lang="en-US" sz="1800" b="0" i="0" u="none" strike="noStrike" kern="1200" cap="none" spc="0" normalizeH="0" baseline="0" noProof="0">
-              <a:ln>
-                <a:noFill/>
-              </a:ln>
-              <a:solidFill>
-                <a:prstClr val="black"/>
-              </a:solidFill>
-              <a:effectLst/>
-              <a:uLnTx/>
-              <a:uFillTx/>
-              <a:latin typeface="Calibri"/>
-              <a:ea typeface="+mn-ea"/>
-              <a:cs typeface="+mn-cs"/>
-            </a:endParaRPr>
-          </a:p>
-        </p:txBody>
-      </p:sp>
-    </p:spTree>
-    <p:extLst>
-      <p:ext uri="{BB962C8B-B14F-4D97-AF65-F5344CB8AC3E}">
-        <p14:creationId xmlns:p14="http://schemas.microsoft.com/office/powerpoint/2010/main" val="4261198586"/>
-      </p:ext>
-    </p:extLst>
-  </p:cSld>
-  <p:clrMapOvr>
-    <a:masterClrMapping/>
-  </p:clrMapOvr>
-</p:notes>
-</file>
-
-<file path=ppt/notesSlides/notesSlide2.xml><?xml version="1.0" encoding="utf-8"?>
-<p:notes xmlns:a="http://schemas.openxmlformats.org/drawingml/2006/main" xmlns:r="http://schemas.openxmlformats.org/officeDocument/2006/relationships" xmlns:p="http://schemas.openxmlformats.org/presentationml/2006/main">
-  <p:cSld>
-    <p:spTree>
-      <p:nvGrpSpPr>
-        <p:cNvPr id="1" name=""/>
-        <p:cNvGrpSpPr/>
-        <p:nvPr/>
-      </p:nvGrpSpPr>
-      <p:grpSpPr>
-        <a:xfrm>
-          <a:off x="0" y="0"/>
-          <a:ext cx="0" cy="0"/>
-          <a:chOff x="0" y="0"/>
-          <a:chExt cx="0" cy="0"/>
-        </a:xfrm>
-      </p:grpSpPr>
-      <p:sp>
-        <p:nvSpPr>
-          <p:cNvPr id="2" name="Slide Image Placeholder 1"/>
-          <p:cNvSpPr>
-            <a:spLocks noGrp="1" noRot="1" noChangeAspect="1"/>
-          </p:cNvSpPr>
-          <p:nvPr>
-            <p:ph type="sldImg"/>
-          </p:nvPr>
-        </p:nvSpPr>
-        <p:spPr/>
-      </p:sp>
-      <p:sp>
-        <p:nvSpPr>
-          <p:cNvPr id="3" name="Notes Placeholder 2"/>
-          <p:cNvSpPr>
-            <a:spLocks noGrp="1"/>
-          </p:cNvSpPr>
-          <p:nvPr>
-            <p:ph type="body" idx="1"/>
-          </p:nvPr>
-        </p:nvSpPr>
-        <p:spPr/>
-        <p:txBody>
-          <a:bodyPr/>
-          <a:lstStyle/>
-          <a:p>
             <a:pPr algn="l" fontAlgn="base"/>
             <a:r>
               <a:rPr lang="en-US" b="0" i="0" dirty="0">
@@ -4621,7 +4468,7 @@
           <a:p>
             <a:fld id="{F31AEF12-2CB3-4E2A-9296-2D12D570EB9B}" type="slidenum">
               <a:rPr lang="en-US" smtClean="0"/>
-              <a:t>6</a:t>
+              <a:t>5</a:t>
             </a:fld>
             <a:endParaRPr lang="en-US"/>
           </a:p>
@@ -4819,7 +4666,7 @@
           <a:p>
             <a:fld id="{D088F999-7A4E-6B4F-9FED-EF75B73AD044}" type="datetimeFigureOut">
               <a:rPr lang="en-US" smtClean="0"/>
-              <a:t>9/28/2021</a:t>
+              <a:t>5/17/2022</a:t>
             </a:fld>
             <a:endParaRPr lang="en-US"/>
           </a:p>
@@ -4987,7 +4834,7 @@
           <a:p>
             <a:fld id="{D088F999-7A4E-6B4F-9FED-EF75B73AD044}" type="datetimeFigureOut">
               <a:rPr lang="en-US" smtClean="0"/>
-              <a:t>9/28/2021</a:t>
+              <a:t>5/17/2022</a:t>
             </a:fld>
             <a:endParaRPr lang="en-US"/>
           </a:p>
@@ -5165,7 +5012,7 @@
           <a:p>
             <a:fld id="{D088F999-7A4E-6B4F-9FED-EF75B73AD044}" type="datetimeFigureOut">
               <a:rPr lang="en-US" smtClean="0"/>
-              <a:t>9/28/2021</a:t>
+              <a:t>5/17/2022</a:t>
             </a:fld>
             <a:endParaRPr lang="en-US"/>
           </a:p>
@@ -5454,7 +5301,7 @@
           <a:p>
             <a:fld id="{7C2D2CC9-D6D0-4DE1-ABB1-105EB7BE20AD}" type="datetimeFigureOut">
               <a:rPr lang="en-US" smtClean="0"/>
-              <a:t>9/28/2021</a:t>
+              <a:t>5/17/2022</a:t>
             </a:fld>
             <a:endParaRPr lang="en-US"/>
           </a:p>
@@ -5662,7 +5509,7 @@
           <a:p>
             <a:fld id="{7C2D2CC9-D6D0-4DE1-ABB1-105EB7BE20AD}" type="datetimeFigureOut">
               <a:rPr lang="en-US" smtClean="0"/>
-              <a:t>9/28/2021</a:t>
+              <a:t>5/17/2022</a:t>
             </a:fld>
             <a:endParaRPr lang="en-US"/>
           </a:p>
@@ -5999,7 +5846,7 @@
           <a:p>
             <a:fld id="{7C2D2CC9-D6D0-4DE1-ABB1-105EB7BE20AD}" type="datetimeFigureOut">
               <a:rPr lang="en-US" smtClean="0"/>
-              <a:t>9/28/2021</a:t>
+              <a:t>5/17/2022</a:t>
             </a:fld>
             <a:endParaRPr lang="en-US"/>
           </a:p>
@@ -6274,7 +6121,7 @@
           <a:p>
             <a:fld id="{7C2D2CC9-D6D0-4DE1-ABB1-105EB7BE20AD}" type="datetimeFigureOut">
               <a:rPr lang="en-US" smtClean="0"/>
-              <a:t>9/28/2021</a:t>
+              <a:t>5/17/2022</a:t>
             </a:fld>
             <a:endParaRPr lang="en-US"/>
           </a:p>
@@ -6657,7 +6504,7 @@
           <a:p>
             <a:fld id="{7C2D2CC9-D6D0-4DE1-ABB1-105EB7BE20AD}" type="datetimeFigureOut">
               <a:rPr lang="en-US" smtClean="0"/>
-              <a:t>9/28/2021</a:t>
+              <a:t>5/17/2022</a:t>
             </a:fld>
             <a:endParaRPr lang="en-US"/>
           </a:p>
@@ -6775,7 +6622,7 @@
           <a:p>
             <a:fld id="{7C2D2CC9-D6D0-4DE1-ABB1-105EB7BE20AD}" type="datetimeFigureOut">
               <a:rPr lang="en-US" smtClean="0"/>
-              <a:t>9/28/2021</a:t>
+              <a:t>5/17/2022</a:t>
             </a:fld>
             <a:endParaRPr lang="en-US"/>
           </a:p>
@@ -6948,7 +6795,7 @@
           <a:p>
             <a:fld id="{7C2D2CC9-D6D0-4DE1-ABB1-105EB7BE20AD}" type="datetimeFigureOut">
               <a:rPr lang="en-US" smtClean="0"/>
-              <a:t>9/28/2021</a:t>
+              <a:t>5/17/2022</a:t>
             </a:fld>
             <a:endParaRPr lang="en-US"/>
           </a:p>
@@ -7304,7 +7151,7 @@
           <a:p>
             <a:fld id="{7C2D2CC9-D6D0-4DE1-ABB1-105EB7BE20AD}" type="datetimeFigureOut">
               <a:rPr lang="en-US" smtClean="0"/>
-              <a:t>9/28/2021</a:t>
+              <a:t>5/17/2022</a:t>
             </a:fld>
             <a:endParaRPr lang="en-US"/>
           </a:p>
@@ -7493,7 +7340,7 @@
           <a:p>
             <a:fld id="{D088F999-7A4E-6B4F-9FED-EF75B73AD044}" type="datetimeFigureOut">
               <a:rPr lang="en-US" smtClean="0"/>
-              <a:t>9/28/2021</a:t>
+              <a:t>5/17/2022</a:t>
             </a:fld>
             <a:endParaRPr lang="en-US"/>
           </a:p>
@@ -7820,7 +7667,7 @@
           <a:p>
             <a:fld id="{7C2D2CC9-D6D0-4DE1-ABB1-105EB7BE20AD}" type="datetimeFigureOut">
               <a:rPr lang="en-US" smtClean="0"/>
-              <a:t>9/28/2021</a:t>
+              <a:t>5/17/2022</a:t>
             </a:fld>
             <a:endParaRPr lang="en-US"/>
           </a:p>
@@ -8006,7 +7853,7 @@
           <a:p>
             <a:fld id="{7C2D2CC9-D6D0-4DE1-ABB1-105EB7BE20AD}" type="datetimeFigureOut">
               <a:rPr lang="en-US" smtClean="0"/>
-              <a:t>9/28/2021</a:t>
+              <a:t>5/17/2022</a:t>
             </a:fld>
             <a:endParaRPr lang="en-US"/>
           </a:p>
@@ -8264,7 +8111,7 @@
           <a:p>
             <a:fld id="{7C2D2CC9-D6D0-4DE1-ABB1-105EB7BE20AD}" type="datetimeFigureOut">
               <a:rPr lang="en-US" smtClean="0"/>
-              <a:t>9/28/2021</a:t>
+              <a:t>5/17/2022</a:t>
             </a:fld>
             <a:endParaRPr lang="en-US"/>
           </a:p>
@@ -8509,7 +8356,7 @@
           <a:p>
             <a:fld id="{D088F999-7A4E-6B4F-9FED-EF75B73AD044}" type="datetimeFigureOut">
               <a:rPr lang="en-US" smtClean="0"/>
-              <a:t>9/28/2021</a:t>
+              <a:t>5/17/2022</a:t>
             </a:fld>
             <a:endParaRPr lang="en-US"/>
           </a:p>
@@ -8794,7 +8641,7 @@
           <a:p>
             <a:fld id="{D088F999-7A4E-6B4F-9FED-EF75B73AD044}" type="datetimeFigureOut">
               <a:rPr lang="en-US" smtClean="0"/>
-              <a:t>9/28/2021</a:t>
+              <a:t>5/17/2022</a:t>
             </a:fld>
             <a:endParaRPr lang="en-US"/>
           </a:p>
@@ -9213,7 +9060,7 @@
           <a:p>
             <a:fld id="{D088F999-7A4E-6B4F-9FED-EF75B73AD044}" type="datetimeFigureOut">
               <a:rPr lang="en-US" smtClean="0"/>
-              <a:t>9/28/2021</a:t>
+              <a:t>5/17/2022</a:t>
             </a:fld>
             <a:endParaRPr lang="en-US"/>
           </a:p>
@@ -9330,7 +9177,7 @@
           <a:p>
             <a:fld id="{D088F999-7A4E-6B4F-9FED-EF75B73AD044}" type="datetimeFigureOut">
               <a:rPr lang="en-US" smtClean="0"/>
-              <a:t>9/28/2021</a:t>
+              <a:t>5/17/2022</a:t>
             </a:fld>
             <a:endParaRPr lang="en-US"/>
           </a:p>
@@ -9425,7 +9272,7 @@
           <a:p>
             <a:fld id="{D088F999-7A4E-6B4F-9FED-EF75B73AD044}" type="datetimeFigureOut">
               <a:rPr lang="en-US" smtClean="0"/>
-              <a:t>9/28/2021</a:t>
+              <a:t>5/17/2022</a:t>
             </a:fld>
             <a:endParaRPr lang="en-US"/>
           </a:p>
@@ -9700,7 +9547,7 @@
           <a:p>
             <a:fld id="{D088F999-7A4E-6B4F-9FED-EF75B73AD044}" type="datetimeFigureOut">
               <a:rPr lang="en-US" smtClean="0"/>
-              <a:t>9/28/2021</a:t>
+              <a:t>5/17/2022</a:t>
             </a:fld>
             <a:endParaRPr lang="en-US"/>
           </a:p>
@@ -9952,7 +9799,7 @@
           <a:p>
             <a:fld id="{D088F999-7A4E-6B4F-9FED-EF75B73AD044}" type="datetimeFigureOut">
               <a:rPr lang="en-US" smtClean="0"/>
-              <a:t>9/28/2021</a:t>
+              <a:t>5/17/2022</a:t>
             </a:fld>
             <a:endParaRPr lang="en-US"/>
           </a:p>
@@ -10172,7 +10019,7 @@
           <a:p>
             <a:fld id="{D088F999-7A4E-6B4F-9FED-EF75B73AD044}" type="datetimeFigureOut">
               <a:rPr lang="en-US" smtClean="0"/>
-              <a:t>9/28/2021</a:t>
+              <a:t>5/17/2022</a:t>
             </a:fld>
             <a:endParaRPr lang="en-US"/>
           </a:p>
@@ -10764,7 +10611,7 @@
           <a:p>
             <a:fld id="{D088F999-7A4E-6B4F-9FED-EF75B73AD044}" type="datetimeFigureOut">
               <a:rPr lang="en-US" smtClean="0"/>
-              <a:t>9/28/2021</a:t>
+              <a:t>5/17/2022</a:t>
             </a:fld>
             <a:endParaRPr lang="en-US"/>
           </a:p>
@@ -11288,403 +11135,145 @@
           <a:chExt cx="0" cy="0"/>
         </a:xfrm>
       </p:grpSpPr>
-      <p:sp>
-        <p:nvSpPr>
-          <p:cNvPr id="4" name="Rectangle 3">
+      <p:pic>
+        <p:nvPicPr>
+          <p:cNvPr id="5" name="Picture 4">
             <a:extLst>
               <a:ext uri="{FF2B5EF4-FFF2-40B4-BE49-F238E27FC236}">
-                <a16:creationId xmlns:a16="http://schemas.microsoft.com/office/drawing/2014/main" id="{2DB7453A-5DFD-6B43-9EF9-B4DB30288921}"/>
+                <a16:creationId xmlns:a16="http://schemas.microsoft.com/office/drawing/2014/main" id="{B946C6F9-B69A-4AE2-B492-CA4DFC744796}"/>
               </a:ext>
             </a:extLst>
           </p:cNvPr>
-          <p:cNvSpPr/>
-          <p:nvPr/>
-        </p:nvSpPr>
-        <p:spPr>
-          <a:xfrm>
-            <a:off x="0" y="4343400"/>
-            <a:ext cx="12192000" cy="2514600"/>
-          </a:xfrm>
-          <a:prstGeom prst="rect">
-            <a:avLst/>
-          </a:prstGeom>
-          <a:solidFill>
-            <a:srgbClr val="403938"/>
-          </a:solidFill>
-          <a:ln>
-            <a:noFill/>
-          </a:ln>
-        </p:spPr>
-        <p:style>
-          <a:lnRef idx="1">
-            <a:schemeClr val="accent1"/>
-          </a:lnRef>
-          <a:fillRef idx="3">
-            <a:schemeClr val="accent1"/>
-          </a:fillRef>
-          <a:effectRef idx="2">
-            <a:schemeClr val="accent1"/>
-          </a:effectRef>
-          <a:fontRef idx="minor">
-            <a:schemeClr val="lt1"/>
-          </a:fontRef>
-        </p:style>
-        <p:txBody>
-          <a:bodyPr rtlCol="0" anchor="ctr"/>
-          <a:lstStyle/>
-          <a:p>
-            <a:pPr algn="ctr" defTabSz="1219170"/>
-            <a:endParaRPr lang="en-US" sz="2400" dirty="0">
-              <a:solidFill>
-                <a:prstClr val="white"/>
-              </a:solidFill>
-              <a:latin typeface="Calibri"/>
-            </a:endParaRPr>
-          </a:p>
-        </p:txBody>
-      </p:sp>
-      <p:sp>
-        <p:nvSpPr>
-          <p:cNvPr id="6" name="Rectangle 5"/>
-          <p:cNvSpPr>
-            <a:spLocks noChangeArrowheads="1"/>
-          </p:cNvSpPr>
-          <p:nvPr/>
-        </p:nvSpPr>
-        <p:spPr bwMode="auto">
-          <a:xfrm>
-            <a:off x="304800" y="4826683"/>
-            <a:ext cx="5317067" cy="1727200"/>
-          </a:xfrm>
-          <a:prstGeom prst="rect">
-            <a:avLst/>
-          </a:prstGeom>
-          <a:noFill/>
-          <a:ln>
-            <a:noFill/>
-          </a:ln>
-          <a:effectLst/>
-          <a:extLst>
-            <a:ext uri="{909E8E84-426E-40DD-AFC4-6F175D3DCCD1}">
-              <a14:hiddenFill xmlns:a14="http://schemas.microsoft.com/office/drawing/2010/main">
-                <a:solidFill>
-                  <a:schemeClr val="accent1"/>
-                </a:solidFill>
-              </a14:hiddenFill>
-            </a:ext>
-            <a:ext uri="{91240B29-F687-4F45-9708-019B960494DF}">
-              <a14:hiddenLine xmlns:a14="http://schemas.microsoft.com/office/drawing/2010/main" w="9525">
-                <a:solidFill>
-                  <a:schemeClr val="tx1"/>
-                </a:solidFill>
-                <a:miter lim="800000"/>
-                <a:headEnd/>
-                <a:tailEnd/>
-              </a14:hiddenLine>
-            </a:ext>
-            <a:ext uri="{AF507438-7753-43E0-B8FC-AC1667EBCBE1}">
-              <a14:hiddenEffects xmlns:a14="http://schemas.microsoft.com/office/drawing/2010/main">
-                <a:effectLst>
-                  <a:outerShdw dist="35921" dir="2700000" algn="ctr" rotWithShape="0">
-                    <a:schemeClr val="bg2"/>
-                  </a:outerShdw>
-                </a:effectLst>
-              </a14:hiddenEffects>
-            </a:ext>
-          </a:extLst>
-        </p:spPr>
-        <p:txBody>
-          <a:bodyPr lIns="114564" tIns="57283" rIns="114564" bIns="57283"/>
-          <a:lstStyle/>
-          <a:p>
-            <a:pPr defTabSz="1219170">
-              <a:defRPr/>
-            </a:pPr>
-            <a:r>
-              <a:rPr lang="en-US" sz="4267" b="1" dirty="0">
-                <a:solidFill>
-                  <a:prstClr val="white"/>
-                </a:solidFill>
-                <a:latin typeface="Arial" charset="0"/>
-              </a:rPr>
-              <a:t>Chris Woodruff</a:t>
-            </a:r>
-            <a:endParaRPr lang="en-US" sz="3733" b="1" dirty="0">
-              <a:solidFill>
-                <a:prstClr val="white"/>
-              </a:solidFill>
-              <a:latin typeface="Arial" charset="0"/>
-            </a:endParaRPr>
-          </a:p>
-          <a:p>
-            <a:pPr defTabSz="1219170">
-              <a:defRPr/>
-            </a:pPr>
-            <a:r>
-              <a:rPr lang="en-US" sz="3200" b="1" dirty="0" err="1">
-                <a:solidFill>
-                  <a:prstClr val="white"/>
-                </a:solidFill>
-                <a:latin typeface="Arial" charset="0"/>
-              </a:rPr>
-              <a:t>LearningAbout.Dev</a:t>
-            </a:r>
-            <a:endParaRPr lang="en-US" sz="3200" b="1" dirty="0">
-              <a:solidFill>
-                <a:prstClr val="white"/>
-              </a:solidFill>
-              <a:latin typeface="Arial" charset="0"/>
-            </a:endParaRPr>
-          </a:p>
-          <a:p>
-            <a:pPr defTabSz="1219170">
-              <a:defRPr/>
-            </a:pPr>
-            <a:endParaRPr lang="en-US" sz="2400" b="1" dirty="0">
-              <a:solidFill>
-                <a:prstClr val="white"/>
-              </a:solidFill>
-              <a:latin typeface="Arial" charset="0"/>
-            </a:endParaRPr>
-          </a:p>
-          <a:p>
-            <a:pPr defTabSz="1219170">
-              <a:defRPr/>
-            </a:pPr>
-            <a:endParaRPr lang="en-US" sz="1867" dirty="0">
-              <a:solidFill>
-                <a:prstClr val="white"/>
-              </a:solidFill>
-              <a:latin typeface="Times New Roman" pitchFamily="28" charset="0"/>
-            </a:endParaRPr>
-          </a:p>
-        </p:txBody>
-      </p:sp>
-      <p:sp>
-        <p:nvSpPr>
-          <p:cNvPr id="7" name="Text Box 7"/>
-          <p:cNvSpPr txBox="1">
-            <a:spLocks noChangeArrowheads="1"/>
-          </p:cNvSpPr>
-          <p:nvPr/>
-        </p:nvSpPr>
-        <p:spPr bwMode="auto">
-          <a:xfrm>
-            <a:off x="7924801" y="4824276"/>
-            <a:ext cx="4889497" cy="830997"/>
-          </a:xfrm>
-          <a:prstGeom prst="rect">
-            <a:avLst/>
-          </a:prstGeom>
-          <a:noFill/>
-          <a:ln>
-            <a:noFill/>
-          </a:ln>
-          <a:effectLst/>
-          <a:extLst>
-            <a:ext uri="{909E8E84-426E-40DD-AFC4-6F175D3DCCD1}">
-              <a14:hiddenFill xmlns:a14="http://schemas.microsoft.com/office/drawing/2010/main">
-                <a:solidFill>
-                  <a:schemeClr val="accent1"/>
-                </a:solidFill>
-              </a14:hiddenFill>
-            </a:ext>
-            <a:ext uri="{91240B29-F687-4F45-9708-019B960494DF}">
-              <a14:hiddenLine xmlns:a14="http://schemas.microsoft.com/office/drawing/2010/main" w="9525" algn="ctr">
-                <a:solidFill>
-                  <a:schemeClr val="tx1"/>
-                </a:solidFill>
-                <a:miter lim="800000"/>
-                <a:headEnd/>
-                <a:tailEnd/>
-              </a14:hiddenLine>
-            </a:ext>
-            <a:ext uri="{AF507438-7753-43E0-B8FC-AC1667EBCBE1}">
-              <a14:hiddenEffects xmlns:a14="http://schemas.microsoft.com/office/drawing/2010/main">
-                <a:effectLst>
-                  <a:outerShdw dist="35921" dir="2700000" algn="ctr" rotWithShape="0">
-                    <a:schemeClr val="bg2"/>
-                  </a:outerShdw>
-                </a:effectLst>
-              </a14:hiddenEffects>
-            </a:ext>
-          </a:extLst>
-        </p:spPr>
-        <p:txBody>
-          <a:bodyPr wrap="square">
-            <a:spAutoFit/>
-          </a:bodyPr>
-          <a:lstStyle>
-            <a:lvl1pPr>
-              <a:defRPr sz="1600">
-                <a:solidFill>
-                  <a:schemeClr val="tx1"/>
-                </a:solidFill>
-                <a:latin typeface="Lucida Console" pitchFamily="49" charset="0"/>
-                <a:cs typeface="Arial" charset="0"/>
-              </a:defRPr>
-            </a:lvl1pPr>
-            <a:lvl2pPr marL="742950" indent="-285750">
-              <a:defRPr sz="1600">
-                <a:solidFill>
-                  <a:schemeClr val="tx1"/>
-                </a:solidFill>
-                <a:latin typeface="Lucida Console" pitchFamily="49" charset="0"/>
-                <a:cs typeface="Arial" charset="0"/>
-              </a:defRPr>
-            </a:lvl2pPr>
-            <a:lvl3pPr marL="1143000" indent="-228600">
-              <a:defRPr sz="1600">
-                <a:solidFill>
-                  <a:schemeClr val="tx1"/>
-                </a:solidFill>
-                <a:latin typeface="Lucida Console" pitchFamily="49" charset="0"/>
-                <a:cs typeface="Arial" charset="0"/>
-              </a:defRPr>
-            </a:lvl3pPr>
-            <a:lvl4pPr marL="1600200" indent="-228600">
-              <a:defRPr sz="1600">
-                <a:solidFill>
-                  <a:schemeClr val="tx1"/>
-                </a:solidFill>
-                <a:latin typeface="Lucida Console" pitchFamily="49" charset="0"/>
-                <a:cs typeface="Arial" charset="0"/>
-              </a:defRPr>
-            </a:lvl4pPr>
-            <a:lvl5pPr marL="2057400" indent="-228600">
-              <a:defRPr sz="1600">
-                <a:solidFill>
-                  <a:schemeClr val="tx1"/>
-                </a:solidFill>
-                <a:latin typeface="Lucida Console" pitchFamily="49" charset="0"/>
-                <a:cs typeface="Arial" charset="0"/>
-              </a:defRPr>
-            </a:lvl5pPr>
-            <a:lvl6pPr marL="2514600" indent="-228600" eaLnBrk="0" fontAlgn="base" hangingPunct="0">
-              <a:spcBef>
-                <a:spcPct val="0"/>
-              </a:spcBef>
-              <a:spcAft>
-                <a:spcPct val="0"/>
-              </a:spcAft>
-              <a:defRPr sz="1600">
-                <a:solidFill>
-                  <a:schemeClr val="tx1"/>
-                </a:solidFill>
-                <a:latin typeface="Lucida Console" pitchFamily="49" charset="0"/>
-                <a:cs typeface="Arial" charset="0"/>
-              </a:defRPr>
-            </a:lvl6pPr>
-            <a:lvl7pPr marL="2971800" indent="-228600" eaLnBrk="0" fontAlgn="base" hangingPunct="0">
-              <a:spcBef>
-                <a:spcPct val="0"/>
-              </a:spcBef>
-              <a:spcAft>
-                <a:spcPct val="0"/>
-              </a:spcAft>
-              <a:defRPr sz="1600">
-                <a:solidFill>
-                  <a:schemeClr val="tx1"/>
-                </a:solidFill>
-                <a:latin typeface="Lucida Console" pitchFamily="49" charset="0"/>
-                <a:cs typeface="Arial" charset="0"/>
-              </a:defRPr>
-            </a:lvl7pPr>
-            <a:lvl8pPr marL="3429000" indent="-228600" eaLnBrk="0" fontAlgn="base" hangingPunct="0">
-              <a:spcBef>
-                <a:spcPct val="0"/>
-              </a:spcBef>
-              <a:spcAft>
-                <a:spcPct val="0"/>
-              </a:spcAft>
-              <a:defRPr sz="1600">
-                <a:solidFill>
-                  <a:schemeClr val="tx1"/>
-                </a:solidFill>
-                <a:latin typeface="Lucida Console" pitchFamily="49" charset="0"/>
-                <a:cs typeface="Arial" charset="0"/>
-              </a:defRPr>
-            </a:lvl8pPr>
-            <a:lvl9pPr marL="3886200" indent="-228600" eaLnBrk="0" fontAlgn="base" hangingPunct="0">
-              <a:spcBef>
-                <a:spcPct val="0"/>
-              </a:spcBef>
-              <a:spcAft>
-                <a:spcPct val="0"/>
-              </a:spcAft>
-              <a:defRPr sz="1600">
-                <a:solidFill>
-                  <a:schemeClr val="tx1"/>
-                </a:solidFill>
-                <a:latin typeface="Lucida Console" pitchFamily="49" charset="0"/>
-                <a:cs typeface="Arial" charset="0"/>
-              </a:defRPr>
-            </a:lvl9pPr>
-          </a:lstStyle>
-          <a:p>
-            <a:pPr defTabSz="1219170"/>
-            <a:r>
-              <a:rPr lang="en-US" sz="2667" dirty="0">
-                <a:solidFill>
-                  <a:prstClr val="white"/>
-                </a:solidFill>
-                <a:latin typeface="Arial" charset="0"/>
-              </a:rPr>
-              <a:t>Level: Intermediate, etc.</a:t>
-            </a:r>
-          </a:p>
-          <a:p>
-            <a:pPr defTabSz="1219170"/>
-            <a:endParaRPr lang="en-US" sz="2133" b="1" dirty="0">
-              <a:solidFill>
-                <a:prstClr val="white"/>
-              </a:solidFill>
-              <a:latin typeface="Arial" charset="0"/>
-            </a:endParaRPr>
-          </a:p>
-        </p:txBody>
-      </p:sp>
-      <p:pic>
-        <p:nvPicPr>
-          <p:cNvPr id="2" name="Picture 1"/>
           <p:cNvPicPr>
             <a:picLocks noChangeAspect="1"/>
           </p:cNvPicPr>
           <p:nvPr/>
         </p:nvPicPr>
-        <p:blipFill>
-          <a:blip r:embed="rId3">
-            <a:extLst>
-              <a:ext uri="{28A0092B-C50C-407E-A947-70E740481C1C}">
-                <a14:useLocalDpi xmlns:a14="http://schemas.microsoft.com/office/drawing/2010/main" val="0"/>
-              </a:ext>
-            </a:extLst>
+        <p:blipFill rotWithShape="1">
+          <a:blip r:embed="rId2">
+            <a:duotone>
+              <a:prstClr val="black"/>
+              <a:schemeClr val="tx2">
+                <a:tint val="45000"/>
+                <a:satMod val="400000"/>
+              </a:schemeClr>
+            </a:duotone>
+            <a:alphaModFix amt="40000"/>
           </a:blip>
-          <a:stretch>
-            <a:fillRect/>
-          </a:stretch>
+          <a:srcRect t="29687"/>
+          <a:stretch/>
         </p:blipFill>
         <p:spPr>
           <a:xfrm>
-            <a:off x="0" y="-17379"/>
-            <a:ext cx="12192000" cy="4665579"/>
+            <a:off x="20" y="10"/>
+            <a:ext cx="12191980" cy="6857991"/>
           </a:xfrm>
           <a:prstGeom prst="rect">
             <a:avLst/>
           </a:prstGeom>
         </p:spPr>
       </p:pic>
+      <p:sp>
+        <p:nvSpPr>
+          <p:cNvPr id="2" name="Title 1">
+            <a:extLst>
+              <a:ext uri="{FF2B5EF4-FFF2-40B4-BE49-F238E27FC236}">
+                <a16:creationId xmlns:a16="http://schemas.microsoft.com/office/drawing/2014/main" id="{A4269162-A3AB-4D38-8019-28F15533A268}"/>
+              </a:ext>
+            </a:extLst>
+          </p:cNvPr>
+          <p:cNvSpPr>
+            <a:spLocks noGrp="1"/>
+          </p:cNvSpPr>
+          <p:nvPr>
+            <p:ph type="ctrTitle"/>
+          </p:nvPr>
+        </p:nvSpPr>
+        <p:spPr/>
+        <p:txBody>
+          <a:bodyPr>
+            <a:normAutofit/>
+          </a:bodyPr>
+          <a:lstStyle/>
+          <a:p>
+            <a:r>
+              <a:rPr lang="en-US" dirty="0"/>
+              <a:t>Documenting your API with OpenAPI</a:t>
+            </a:r>
+          </a:p>
+        </p:txBody>
+      </p:sp>
+      <p:sp>
+        <p:nvSpPr>
+          <p:cNvPr id="3" name="Subtitle 2">
+            <a:extLst>
+              <a:ext uri="{FF2B5EF4-FFF2-40B4-BE49-F238E27FC236}">
+                <a16:creationId xmlns:a16="http://schemas.microsoft.com/office/drawing/2014/main" id="{3C055530-7E06-4073-BB91-4644696C37BF}"/>
+              </a:ext>
+            </a:extLst>
+          </p:cNvPr>
+          <p:cNvSpPr>
+            <a:spLocks noGrp="1"/>
+          </p:cNvSpPr>
+          <p:nvPr>
+            <p:ph type="subTitle" idx="1"/>
+          </p:nvPr>
+        </p:nvSpPr>
+        <p:spPr/>
+        <p:txBody>
+          <a:bodyPr>
+            <a:normAutofit/>
+          </a:bodyPr>
+          <a:lstStyle/>
+          <a:p>
+            <a:r>
+              <a:rPr lang="en-US" b="0" i="0" dirty="0">
+                <a:solidFill>
+                  <a:schemeClr val="tx1"/>
+                </a:solidFill>
+                <a:effectLst/>
+                <a:latin typeface="Roboto" panose="02000000000000000000" pitchFamily="2" charset="0"/>
+              </a:rPr>
+              <a:t>Learn to Produce Effective</a:t>
+            </a:r>
+            <a:br>
+              <a:rPr lang="en-US" dirty="0">
+                <a:solidFill>
+                  <a:schemeClr val="tx1"/>
+                </a:solidFill>
+              </a:rPr>
+            </a:br>
+            <a:r>
+              <a:rPr lang="en-US" b="0" i="0" dirty="0">
+                <a:solidFill>
+                  <a:schemeClr val="tx1"/>
+                </a:solidFill>
+                <a:effectLst/>
+                <a:latin typeface="Roboto" panose="02000000000000000000" pitchFamily="2" charset="0"/>
+              </a:rPr>
+              <a:t>Web APIs with ASP.NET 6</a:t>
+            </a:r>
+            <a:endParaRPr lang="en-US" dirty="0">
+              <a:solidFill>
+                <a:schemeClr val="tx1"/>
+              </a:solidFill>
+            </a:endParaRPr>
+          </a:p>
+          <a:p>
+            <a:endParaRPr lang="en-US" dirty="0"/>
+          </a:p>
+        </p:txBody>
+      </p:sp>
     </p:spTree>
     <p:extLst>
       <p:ext uri="{BB962C8B-B14F-4D97-AF65-F5344CB8AC3E}">
-        <p14:creationId xmlns:p14="http://schemas.microsoft.com/office/powerpoint/2010/main" val="44605177"/>
+        <p14:creationId xmlns:p14="http://schemas.microsoft.com/office/powerpoint/2010/main" val="690398364"/>
       </p:ext>
     </p:extLst>
   </p:cSld>
   <p:clrMapOvr>
     <a:masterClrMapping/>
   </p:clrMapOvr>
-  <p:transition spd="slow"/>
 </p:sld>
 </file>
 
@@ -11710,289 +11299,6 @@
           <p:cNvPr id="2" name="Title 1">
             <a:extLst>
               <a:ext uri="{FF2B5EF4-FFF2-40B4-BE49-F238E27FC236}">
-                <a16:creationId xmlns:a16="http://schemas.microsoft.com/office/drawing/2014/main" id="{407F5DD5-C691-4781-A745-B1506DD10514}"/>
-              </a:ext>
-            </a:extLst>
-          </p:cNvPr>
-          <p:cNvSpPr>
-            <a:spLocks noGrp="1"/>
-          </p:cNvSpPr>
-          <p:nvPr>
-            <p:ph type="title"/>
-          </p:nvPr>
-        </p:nvSpPr>
-        <p:spPr/>
-        <p:txBody>
-          <a:bodyPr/>
-          <a:lstStyle/>
-          <a:p>
-            <a:r>
-              <a:rPr lang="en-US" dirty="0"/>
-              <a:t>Restrict Response Formats</a:t>
-            </a:r>
-          </a:p>
-        </p:txBody>
-      </p:sp>
-      <p:sp>
-        <p:nvSpPr>
-          <p:cNvPr id="3" name="Content Placeholder 2">
-            <a:extLst>
-              <a:ext uri="{FF2B5EF4-FFF2-40B4-BE49-F238E27FC236}">
-                <a16:creationId xmlns:a16="http://schemas.microsoft.com/office/drawing/2014/main" id="{E97F3976-391B-4587-BC70-F1994960813A}"/>
-              </a:ext>
-            </a:extLst>
-          </p:cNvPr>
-          <p:cNvSpPr>
-            <a:spLocks noGrp="1"/>
-          </p:cNvSpPr>
-          <p:nvPr>
-            <p:ph idx="1"/>
-          </p:nvPr>
-        </p:nvSpPr>
-        <p:spPr>
-          <a:xfrm>
-            <a:off x="1097280" y="1845733"/>
-            <a:ext cx="10058400" cy="4422331"/>
-          </a:xfrm>
-        </p:spPr>
-        <p:txBody>
-          <a:bodyPr>
-            <a:normAutofit lnSpcReduction="10000"/>
-          </a:bodyPr>
-          <a:lstStyle/>
-          <a:p>
-            <a:r>
-              <a:rPr lang="en-US" sz="3200" dirty="0"/>
-              <a:t>To restrict the response formats, apply the [Produces] filter. Like most Filters, [Produces] can be applied at the action, controller, or global scope:</a:t>
-            </a:r>
-          </a:p>
-          <a:p>
-            <a:r>
-              <a:rPr lang="en-US" sz="2600" dirty="0">
-                <a:solidFill>
-                  <a:schemeClr val="accent2">
-                    <a:lumMod val="40000"/>
-                    <a:lumOff val="60000"/>
-                  </a:schemeClr>
-                </a:solidFill>
-                <a:latin typeface="Consolas" panose="020B0609020204030204" pitchFamily="49" charset="0"/>
-              </a:rPr>
-              <a:t>[</a:t>
-            </a:r>
-            <a:r>
-              <a:rPr lang="en-US" sz="2600" dirty="0" err="1">
-                <a:solidFill>
-                  <a:schemeClr val="accent2">
-                    <a:lumMod val="40000"/>
-                    <a:lumOff val="60000"/>
-                  </a:schemeClr>
-                </a:solidFill>
-                <a:latin typeface="Consolas" panose="020B0609020204030204" pitchFamily="49" charset="0"/>
-              </a:rPr>
-              <a:t>HttpPost</a:t>
-            </a:r>
-            <a:r>
-              <a:rPr lang="en-US" sz="2600" dirty="0">
-                <a:solidFill>
-                  <a:schemeClr val="accent2">
-                    <a:lumMod val="40000"/>
-                    <a:lumOff val="60000"/>
-                  </a:schemeClr>
-                </a:solidFill>
-                <a:latin typeface="Consolas" panose="020B0609020204030204" pitchFamily="49" charset="0"/>
-              </a:rPr>
-              <a:t>]</a:t>
-            </a:r>
-          </a:p>
-          <a:p>
-            <a:r>
-              <a:rPr lang="en-US" sz="2600" dirty="0">
-                <a:solidFill>
-                  <a:schemeClr val="accent2">
-                    <a:lumMod val="40000"/>
-                    <a:lumOff val="60000"/>
-                  </a:schemeClr>
-                </a:solidFill>
-                <a:latin typeface="Consolas" panose="020B0609020204030204" pitchFamily="49" charset="0"/>
-              </a:rPr>
-              <a:t>[Produces("application/json")]</a:t>
-            </a:r>
-          </a:p>
-          <a:p>
-            <a:r>
-              <a:rPr lang="en-US" sz="2600" dirty="0">
-                <a:solidFill>
-                  <a:schemeClr val="accent2">
-                    <a:lumMod val="40000"/>
-                    <a:lumOff val="60000"/>
-                  </a:schemeClr>
-                </a:solidFill>
-                <a:latin typeface="Consolas" panose="020B0609020204030204" pitchFamily="49" charset="0"/>
-              </a:rPr>
-              <a:t>[Consumes("application/json")]</a:t>
-            </a:r>
-          </a:p>
-          <a:p>
-            <a:r>
-              <a:rPr lang="en-US" sz="2600" dirty="0">
-                <a:solidFill>
-                  <a:schemeClr val="accent2">
-                    <a:lumMod val="40000"/>
-                    <a:lumOff val="60000"/>
-                  </a:schemeClr>
-                </a:solidFill>
-                <a:latin typeface="Consolas" panose="020B0609020204030204" pitchFamily="49" charset="0"/>
-              </a:rPr>
-              <a:t>public async Task&lt;</a:t>
-            </a:r>
-            <a:r>
-              <a:rPr lang="en-US" sz="2600" dirty="0" err="1">
-                <a:solidFill>
-                  <a:schemeClr val="accent2">
-                    <a:lumMod val="40000"/>
-                    <a:lumOff val="60000"/>
-                  </a:schemeClr>
-                </a:solidFill>
-                <a:latin typeface="Consolas" panose="020B0609020204030204" pitchFamily="49" charset="0"/>
-              </a:rPr>
-              <a:t>ActionResult</a:t>
-            </a:r>
-            <a:r>
-              <a:rPr lang="en-US" sz="2600" dirty="0">
-                <a:solidFill>
-                  <a:schemeClr val="accent2">
-                    <a:lumMod val="40000"/>
-                    <a:lumOff val="60000"/>
-                  </a:schemeClr>
-                </a:solidFill>
-                <a:latin typeface="Consolas" panose="020B0609020204030204" pitchFamily="49" charset="0"/>
-              </a:rPr>
-              <a:t>&lt;</a:t>
-            </a:r>
-            <a:r>
-              <a:rPr lang="en-US" sz="2600" dirty="0" err="1">
-                <a:solidFill>
-                  <a:schemeClr val="accent2">
-                    <a:lumMod val="40000"/>
-                    <a:lumOff val="60000"/>
-                  </a:schemeClr>
-                </a:solidFill>
-                <a:latin typeface="Consolas" panose="020B0609020204030204" pitchFamily="49" charset="0"/>
-              </a:rPr>
-              <a:t>ArtistApiModel</a:t>
-            </a:r>
-            <a:r>
-              <a:rPr lang="en-US" sz="2600" dirty="0">
-                <a:solidFill>
-                  <a:schemeClr val="accent2">
-                    <a:lumMod val="40000"/>
-                    <a:lumOff val="60000"/>
-                  </a:schemeClr>
-                </a:solidFill>
-                <a:latin typeface="Consolas" panose="020B0609020204030204" pitchFamily="49" charset="0"/>
-              </a:rPr>
-              <a:t>&gt;&gt; Post([</a:t>
-            </a:r>
-            <a:r>
-              <a:rPr lang="en-US" sz="2600" dirty="0" err="1">
-                <a:solidFill>
-                  <a:schemeClr val="accent2">
-                    <a:lumMod val="40000"/>
-                    <a:lumOff val="60000"/>
-                  </a:schemeClr>
-                </a:solidFill>
-                <a:latin typeface="Consolas" panose="020B0609020204030204" pitchFamily="49" charset="0"/>
-              </a:rPr>
-              <a:t>FromBody</a:t>
-            </a:r>
-            <a:r>
-              <a:rPr lang="en-US" sz="2600" dirty="0">
-                <a:solidFill>
-                  <a:schemeClr val="accent2">
-                    <a:lumMod val="40000"/>
-                    <a:lumOff val="60000"/>
-                  </a:schemeClr>
-                </a:solidFill>
-                <a:latin typeface="Consolas" panose="020B0609020204030204" pitchFamily="49" charset="0"/>
-              </a:rPr>
-              <a:t>] </a:t>
-            </a:r>
-            <a:r>
-              <a:rPr lang="en-US" sz="2600" dirty="0" err="1">
-                <a:solidFill>
-                  <a:schemeClr val="accent2">
-                    <a:lumMod val="40000"/>
-                    <a:lumOff val="60000"/>
-                  </a:schemeClr>
-                </a:solidFill>
-                <a:latin typeface="Consolas" panose="020B0609020204030204" pitchFamily="49" charset="0"/>
-              </a:rPr>
-              <a:t>ArtistApiModel</a:t>
-            </a:r>
-            <a:r>
-              <a:rPr lang="en-US" sz="2600" dirty="0">
-                <a:solidFill>
-                  <a:schemeClr val="accent2">
-                    <a:lumMod val="40000"/>
-                    <a:lumOff val="60000"/>
-                  </a:schemeClr>
-                </a:solidFill>
-                <a:latin typeface="Consolas" panose="020B0609020204030204" pitchFamily="49" charset="0"/>
-              </a:rPr>
-              <a:t> input)</a:t>
-            </a:r>
-          </a:p>
-          <a:p>
-            <a:r>
-              <a:rPr lang="en-US" sz="2600" dirty="0">
-                <a:solidFill>
-                  <a:schemeClr val="accent2">
-                    <a:lumMod val="40000"/>
-                    <a:lumOff val="60000"/>
-                  </a:schemeClr>
-                </a:solidFill>
-                <a:latin typeface="Consolas" panose="020B0609020204030204" pitchFamily="49" charset="0"/>
-              </a:rPr>
-              <a:t>{</a:t>
-            </a:r>
-          </a:p>
-        </p:txBody>
-      </p:sp>
-    </p:spTree>
-    <p:extLst>
-      <p:ext uri="{BB962C8B-B14F-4D97-AF65-F5344CB8AC3E}">
-        <p14:creationId xmlns:p14="http://schemas.microsoft.com/office/powerpoint/2010/main" val="1416307190"/>
-      </p:ext>
-    </p:extLst>
-  </p:cSld>
-  <p:clrMapOvr>
-    <a:masterClrMapping/>
-  </p:clrMapOvr>
-</p:sld>
-</file>
-
-<file path=ppt/slides/slide11.xml><?xml version="1.0" encoding="utf-8"?>
-<p:sld xmlns:a="http://schemas.openxmlformats.org/drawingml/2006/main" xmlns:r="http://schemas.openxmlformats.org/officeDocument/2006/relationships" xmlns:p="http://schemas.openxmlformats.org/presentationml/2006/main">
-  <p:cSld>
-    <p:spTree>
-      <p:nvGrpSpPr>
-        <p:cNvPr id="1" name=""/>
-        <p:cNvGrpSpPr/>
-        <p:nvPr/>
-      </p:nvGrpSpPr>
-      <p:grpSpPr>
-        <a:xfrm>
-          <a:off x="0" y="0"/>
-          <a:ext cx="0" cy="0"/>
-          <a:chOff x="0" y="0"/>
-          <a:chExt cx="0" cy="0"/>
-        </a:xfrm>
-      </p:grpSpPr>
-      <p:sp>
-        <p:nvSpPr>
-          <p:cNvPr id="2" name="Title 1">
-            <a:extLst>
-              <a:ext uri="{FF2B5EF4-FFF2-40B4-BE49-F238E27FC236}">
                 <a16:creationId xmlns:a16="http://schemas.microsoft.com/office/drawing/2014/main" id="{6325822A-74E1-41EB-BBAA-E7C7DF3A27A4}"/>
               </a:ext>
             </a:extLst>
@@ -12320,7 +11626,7 @@
 </p:sld>
 </file>
 
-<file path=ppt/slides/slide12.xml><?xml version="1.0" encoding="utf-8"?>
+<file path=ppt/slides/slide11.xml><?xml version="1.0" encoding="utf-8"?>
 <p:sld xmlns:a="http://schemas.openxmlformats.org/drawingml/2006/main" xmlns:r="http://schemas.openxmlformats.org/officeDocument/2006/relationships" xmlns:p="http://schemas.openxmlformats.org/presentationml/2006/main">
   <p:cSld>
     <p:spTree>
@@ -12578,50 +11884,40 @@
           <a:chExt cx="0" cy="0"/>
         </a:xfrm>
       </p:grpSpPr>
-      <p:pic>
-        <p:nvPicPr>
-          <p:cNvPr id="5" name="Picture 4">
+      <p:sp>
+        <p:nvSpPr>
+          <p:cNvPr id="2" name="Title 1">
             <a:extLst>
               <a:ext uri="{FF2B5EF4-FFF2-40B4-BE49-F238E27FC236}">
-                <a16:creationId xmlns:a16="http://schemas.microsoft.com/office/drawing/2014/main" id="{B946C6F9-B69A-4AE2-B492-CA4DFC744796}"/>
+                <a16:creationId xmlns:a16="http://schemas.microsoft.com/office/drawing/2014/main" id="{6DB46954-9E07-41BB-AE4B-4514140E6A67}"/>
               </a:ext>
             </a:extLst>
           </p:cNvPr>
-          <p:cNvPicPr>
-            <a:picLocks noChangeAspect="1"/>
-          </p:cNvPicPr>
-          <p:nvPr/>
-        </p:nvPicPr>
-        <p:blipFill rotWithShape="1">
-          <a:blip r:embed="rId2">
-            <a:duotone>
-              <a:prstClr val="black"/>
-              <a:schemeClr val="tx2">
-                <a:tint val="45000"/>
-                <a:satMod val="400000"/>
-              </a:schemeClr>
-            </a:duotone>
-            <a:alphaModFix amt="40000"/>
-          </a:blip>
-          <a:srcRect t="29687"/>
-          <a:stretch/>
-        </p:blipFill>
-        <p:spPr>
-          <a:xfrm>
-            <a:off x="20" y="10"/>
-            <a:ext cx="12191980" cy="6857991"/>
-          </a:xfrm>
-          <a:prstGeom prst="rect">
-            <a:avLst/>
-          </a:prstGeom>
-        </p:spPr>
-      </p:pic>
-      <p:sp>
-        <p:nvSpPr>
-          <p:cNvPr id="2" name="Title 1">
+          <p:cNvSpPr>
+            <a:spLocks noGrp="1"/>
+          </p:cNvSpPr>
+          <p:nvPr>
+            <p:ph type="title"/>
+          </p:nvPr>
+        </p:nvSpPr>
+        <p:spPr/>
+        <p:txBody>
+          <a:bodyPr/>
+          <a:lstStyle/>
+          <a:p>
+            <a:r>
+              <a:rPr lang="en-US" dirty="0"/>
+              <a:t>Format-specific Action Results</a:t>
+            </a:r>
+          </a:p>
+        </p:txBody>
+      </p:sp>
+      <p:sp>
+        <p:nvSpPr>
+          <p:cNvPr id="4" name="Text Placeholder 3">
             <a:extLst>
               <a:ext uri="{FF2B5EF4-FFF2-40B4-BE49-F238E27FC236}">
-                <a16:creationId xmlns:a16="http://schemas.microsoft.com/office/drawing/2014/main" id="{A4269162-A3AB-4D38-8019-28F15533A268}"/>
+                <a16:creationId xmlns:a16="http://schemas.microsoft.com/office/drawing/2014/main" id="{93C52034-A71C-43A7-BCC0-67611CBB7F0C}"/>
               </a:ext>
             </a:extLst>
           </p:cNvPr>
@@ -12629,10 +11925,45 @@
             <a:spLocks noGrp="1"/>
           </p:cNvSpPr>
           <p:nvPr>
-            <p:ph type="ctrTitle"/>
+            <p:ph type="body" idx="1"/>
           </p:nvPr>
         </p:nvSpPr>
         <p:spPr/>
+        <p:txBody>
+          <a:bodyPr>
+            <a:normAutofit fontScale="92500"/>
+          </a:bodyPr>
+          <a:lstStyle/>
+          <a:p>
+            <a:r>
+              <a:rPr lang="en-US" sz="2800" dirty="0"/>
+              <a:t>JSON-formatted Data Response</a:t>
+            </a:r>
+          </a:p>
+        </p:txBody>
+      </p:sp>
+      <p:sp>
+        <p:nvSpPr>
+          <p:cNvPr id="5" name="Content Placeholder 4">
+            <a:extLst>
+              <a:ext uri="{FF2B5EF4-FFF2-40B4-BE49-F238E27FC236}">
+                <a16:creationId xmlns:a16="http://schemas.microsoft.com/office/drawing/2014/main" id="{EBF28DAF-9857-4D04-88A6-D968E22EF356}"/>
+              </a:ext>
+            </a:extLst>
+          </p:cNvPr>
+          <p:cNvSpPr>
+            <a:spLocks noGrp="1"/>
+          </p:cNvSpPr>
+          <p:nvPr>
+            <p:ph sz="half" idx="2"/>
+          </p:nvPr>
+        </p:nvSpPr>
+        <p:spPr>
+          <a:xfrm>
+            <a:off x="1097280" y="2582334"/>
+            <a:ext cx="10058400" cy="3378200"/>
+          </a:xfrm>
+        </p:spPr>
         <p:txBody>
           <a:bodyPr>
             <a:normAutofit/>
@@ -12640,77 +11971,94 @@
           <a:lstStyle/>
           <a:p>
             <a:r>
-              <a:rPr lang="en-US" dirty="0"/>
-              <a:t>Documenting your API with OpenAPI</a:t>
-            </a:r>
-          </a:p>
-        </p:txBody>
-      </p:sp>
-      <p:sp>
-        <p:nvSpPr>
-          <p:cNvPr id="3" name="Subtitle 2">
-            <a:extLst>
-              <a:ext uri="{FF2B5EF4-FFF2-40B4-BE49-F238E27FC236}">
-                <a16:creationId xmlns:a16="http://schemas.microsoft.com/office/drawing/2014/main" id="{3C055530-7E06-4073-BB91-4644696C37BF}"/>
-              </a:ext>
-            </a:extLst>
-          </p:cNvPr>
-          <p:cNvSpPr>
-            <a:spLocks noGrp="1"/>
-          </p:cNvSpPr>
-          <p:nvPr>
-            <p:ph type="subTitle" idx="1"/>
-          </p:nvPr>
-        </p:nvSpPr>
-        <p:spPr/>
-        <p:txBody>
-          <a:bodyPr>
-            <a:normAutofit/>
-          </a:bodyPr>
-          <a:lstStyle/>
-          <a:p>
-            <a:r>
-              <a:rPr lang="en-US" b="0" i="0" dirty="0">
-                <a:solidFill>
-                  <a:schemeClr val="tx1"/>
-                </a:solidFill>
-                <a:effectLst/>
-                <a:latin typeface="Roboto" panose="02000000000000000000" pitchFamily="2" charset="0"/>
-              </a:rPr>
-              <a:t>Learn to Produce Effective</a:t>
-            </a:r>
-            <a:br>
-              <a:rPr lang="en-US" dirty="0">
-                <a:solidFill>
-                  <a:schemeClr val="tx1"/>
-                </a:solidFill>
-              </a:rPr>
-            </a:br>
-            <a:r>
-              <a:rPr lang="en-US" b="0" i="0" dirty="0">
-                <a:solidFill>
-                  <a:schemeClr val="tx1"/>
-                </a:solidFill>
-                <a:effectLst/>
-                <a:latin typeface="Roboto" panose="02000000000000000000" pitchFamily="2" charset="0"/>
-              </a:rPr>
-              <a:t>Web APIs with ASP.NET 5</a:t>
-            </a:r>
-            <a:endParaRPr lang="en-US" dirty="0">
-              <a:solidFill>
-                <a:schemeClr val="tx1"/>
-              </a:solidFill>
-            </a:endParaRPr>
-          </a:p>
-          <a:p>
-            <a:endParaRPr lang="en-US" dirty="0"/>
+              <a:rPr lang="en-US" sz="2800" dirty="0"/>
+              <a:t>[</a:t>
+            </a:r>
+            <a:r>
+              <a:rPr lang="en-US" sz="2800" dirty="0" err="1"/>
+              <a:t>HttpGet</a:t>
+            </a:r>
+            <a:r>
+              <a:rPr lang="en-US" sz="2800" dirty="0"/>
+              <a:t>]</a:t>
+            </a:r>
+          </a:p>
+          <a:p>
+            <a:r>
+              <a:rPr lang="en-US" sz="2800" dirty="0"/>
+              <a:t>[Produces(</a:t>
+            </a:r>
+            <a:r>
+              <a:rPr lang="en-US" sz="2800" dirty="0" err="1"/>
+              <a:t>typeof</a:t>
+            </a:r>
+            <a:r>
+              <a:rPr lang="en-US" sz="2800" dirty="0"/>
+              <a:t>(List&lt;</a:t>
+            </a:r>
+            <a:r>
+              <a:rPr lang="en-US" sz="2800" dirty="0" err="1"/>
+              <a:t>AlbumApiModel</a:t>
+            </a:r>
+            <a:r>
+              <a:rPr lang="en-US" sz="2800" dirty="0"/>
+              <a:t>&gt;))]</a:t>
+            </a:r>
+          </a:p>
+          <a:p>
+            <a:r>
+              <a:rPr lang="en-US" sz="2800" dirty="0"/>
+              <a:t>public async Task&lt;</a:t>
+            </a:r>
+            <a:r>
+              <a:rPr lang="en-US" sz="2800" dirty="0" err="1"/>
+              <a:t>ActionResult</a:t>
+            </a:r>
+            <a:r>
+              <a:rPr lang="en-US" sz="2800" dirty="0"/>
+              <a:t>&lt;List&lt;</a:t>
+            </a:r>
+            <a:r>
+              <a:rPr lang="en-US" sz="2800" dirty="0" err="1"/>
+              <a:t>AlbumApiModel</a:t>
+            </a:r>
+            <a:r>
+              <a:rPr lang="en-US" sz="2800" dirty="0"/>
+              <a:t>&gt;&gt;&gt; Get()</a:t>
+            </a:r>
+          </a:p>
+          <a:p>
+            <a:r>
+              <a:rPr lang="en-US" sz="2800" dirty="0"/>
+              <a:t>{</a:t>
+            </a:r>
+          </a:p>
+          <a:p>
+            <a:r>
+              <a:rPr lang="en-US" sz="2800" dirty="0"/>
+              <a:t>	return Ok(await _</a:t>
+            </a:r>
+            <a:r>
+              <a:rPr lang="en-US" sz="2800" dirty="0" err="1"/>
+              <a:t>chinookSupervisor.GetAllAlbum</a:t>
+            </a:r>
+            <a:r>
+              <a:rPr lang="en-US" sz="2800" dirty="0"/>
+              <a:t>());</a:t>
+            </a:r>
+          </a:p>
+          <a:p>
+            <a:r>
+              <a:rPr lang="en-US" sz="2800" dirty="0"/>
+              <a:t>}</a:t>
+            </a:r>
           </a:p>
         </p:txBody>
       </p:sp>
     </p:spTree>
     <p:extLst>
       <p:ext uri="{BB962C8B-B14F-4D97-AF65-F5344CB8AC3E}">
-        <p14:creationId xmlns:p14="http://schemas.microsoft.com/office/powerpoint/2010/main" val="690398364"/>
+        <p14:creationId xmlns:p14="http://schemas.microsoft.com/office/powerpoint/2010/main" val="3423351018"/>
       </p:ext>
     </p:extLst>
   </p:cSld>
@@ -12781,16 +12129,21 @@
             <p:ph type="body" idx="1"/>
           </p:nvPr>
         </p:nvSpPr>
-        <p:spPr/>
+        <p:spPr>
+          <a:xfrm>
+            <a:off x="1097279" y="1846052"/>
+            <a:ext cx="6925843" cy="736282"/>
+          </a:xfrm>
+        </p:spPr>
         <p:txBody>
           <a:bodyPr>
-            <a:normAutofit fontScale="92500"/>
+            <a:normAutofit/>
           </a:bodyPr>
           <a:lstStyle/>
           <a:p>
             <a:r>
               <a:rPr lang="en-US" sz="2800" dirty="0"/>
-              <a:t>JSON-formatted Data Response</a:t>
+              <a:t>String-formatted Data Response</a:t>
             </a:r>
           </a:p>
         </p:txBody>
@@ -12833,51 +12186,21 @@
             </a:r>
             <a:r>
               <a:rPr lang="en-US" sz="2800" dirty="0"/>
-              <a:t>]</a:t>
+              <a:t>("About")]</a:t>
             </a:r>
           </a:p>
           <a:p>
             <a:r>
               <a:rPr lang="en-US" sz="2800" dirty="0"/>
-              <a:t>[Produces(</a:t>
+              <a:t>public </a:t>
             </a:r>
             <a:r>
               <a:rPr lang="en-US" sz="2800" dirty="0" err="1"/>
-              <a:t>typeof</a:t>
+              <a:t>ContentResult</a:t>
             </a:r>
             <a:r>
               <a:rPr lang="en-US" sz="2800" dirty="0"/>
-              <a:t>(List&lt;</a:t>
-            </a:r>
-            <a:r>
-              <a:rPr lang="en-US" sz="2800" dirty="0" err="1"/>
-              <a:t>AlbumApiModel</a:t>
-            </a:r>
-            <a:r>
-              <a:rPr lang="en-US" sz="2800" dirty="0"/>
-              <a:t>&gt;))]</a:t>
-            </a:r>
-          </a:p>
-          <a:p>
-            <a:r>
-              <a:rPr lang="en-US" sz="2800" dirty="0"/>
-              <a:t>public async Task&lt;</a:t>
-            </a:r>
-            <a:r>
-              <a:rPr lang="en-US" sz="2800" dirty="0" err="1"/>
-              <a:t>ActionResult</a:t>
-            </a:r>
-            <a:r>
-              <a:rPr lang="en-US" sz="2800" dirty="0"/>
-              <a:t>&lt;List&lt;</a:t>
-            </a:r>
-            <a:r>
-              <a:rPr lang="en-US" sz="2800" dirty="0" err="1"/>
-              <a:t>AlbumApiModel</a:t>
-            </a:r>
-            <a:r>
-              <a:rPr lang="en-US" sz="2800" dirty="0"/>
-              <a:t>&gt;&gt;&gt; Get()</a:t>
+              <a:t> About()</a:t>
             </a:r>
           </a:p>
           <a:p>
@@ -12889,15 +12212,7 @@
           <a:p>
             <a:r>
               <a:rPr lang="en-US" sz="2800" dirty="0"/>
-              <a:t>	return Ok(await _</a:t>
-            </a:r>
-            <a:r>
-              <a:rPr lang="en-US" sz="2800" dirty="0" err="1"/>
-              <a:t>chinookSupervisor.GetAllAlbum</a:t>
-            </a:r>
-            <a:r>
-              <a:rPr lang="en-US" sz="2800" dirty="0"/>
-              <a:t>());</a:t>
+              <a:t>    return Content("An API listing authors of docs.asp.net.");</a:t>
             </a:r>
           </a:p>
           <a:p>
@@ -12911,7 +12226,7 @@
     </p:spTree>
     <p:extLst>
       <p:ext uri="{BB962C8B-B14F-4D97-AF65-F5344CB8AC3E}">
-        <p14:creationId xmlns:p14="http://schemas.microsoft.com/office/powerpoint/2010/main" val="3423351018"/>
+        <p14:creationId xmlns:p14="http://schemas.microsoft.com/office/powerpoint/2010/main" val="2840842974"/>
       </p:ext>
     </p:extLst>
   </p:cSld>
@@ -12984,8 +12299,8 @@
         </p:nvSpPr>
         <p:spPr>
           <a:xfrm>
-            <a:off x="1097279" y="1846052"/>
-            <a:ext cx="6925843" cy="736282"/>
+            <a:off x="1097280" y="1846052"/>
+            <a:ext cx="7810746" cy="736282"/>
           </a:xfrm>
         </p:spPr>
         <p:txBody>
@@ -13039,21 +12354,13 @@
             </a:r>
             <a:r>
               <a:rPr lang="en-US" sz="2800" dirty="0"/>
-              <a:t>("About")]</a:t>
+              <a:t>("version")]</a:t>
             </a:r>
           </a:p>
           <a:p>
             <a:r>
               <a:rPr lang="en-US" sz="2800" dirty="0"/>
-              <a:t>public </a:t>
-            </a:r>
-            <a:r>
-              <a:rPr lang="en-US" sz="2800" dirty="0" err="1"/>
-              <a:t>ContentResult</a:t>
-            </a:r>
-            <a:r>
-              <a:rPr lang="en-US" sz="2800" dirty="0"/>
-              <a:t> About()</a:t>
+              <a:t>public string Version()</a:t>
             </a:r>
           </a:p>
           <a:p>
@@ -13065,7 +12372,7 @@
           <a:p>
             <a:r>
               <a:rPr lang="en-US" sz="2800" dirty="0"/>
-              <a:t>    return Content("An API listing authors of docs.asp.net.");</a:t>
+              <a:t>    return "Version 1.0.0";</a:t>
             </a:r>
           </a:p>
           <a:p>
@@ -13079,7 +12386,7 @@
     </p:spTree>
     <p:extLst>
       <p:ext uri="{BB962C8B-B14F-4D97-AF65-F5344CB8AC3E}">
-        <p14:creationId xmlns:p14="http://schemas.microsoft.com/office/powerpoint/2010/main" val="2840842974"/>
+        <p14:creationId xmlns:p14="http://schemas.microsoft.com/office/powerpoint/2010/main" val="4223394602"/>
       </p:ext>
     </p:extLst>
   </p:cSld>
@@ -13108,10 +12415,10 @@
       </p:grpSpPr>
       <p:sp>
         <p:nvSpPr>
-          <p:cNvPr id="2" name="Title 1">
+          <p:cNvPr id="7" name="Title 6">
             <a:extLst>
               <a:ext uri="{FF2B5EF4-FFF2-40B4-BE49-F238E27FC236}">
-                <a16:creationId xmlns:a16="http://schemas.microsoft.com/office/drawing/2014/main" id="{6DB46954-9E07-41BB-AE4B-4514140E6A67}"/>
+                <a16:creationId xmlns:a16="http://schemas.microsoft.com/office/drawing/2014/main" id="{38330B12-273F-46E1-935E-7A594CD14668}"/>
               </a:ext>
             </a:extLst>
           </p:cNvPr>
@@ -13129,117 +12436,46 @@
           <a:p>
             <a:r>
               <a:rPr lang="en-US" dirty="0"/>
-              <a:t>Format-specific Action Results</a:t>
-            </a:r>
-          </a:p>
-        </p:txBody>
-      </p:sp>
-      <p:sp>
-        <p:nvSpPr>
-          <p:cNvPr id="4" name="Text Placeholder 3">
+              <a:t>By default, ASP.NET 6 supports the following formats for responses:</a:t>
+            </a:r>
+          </a:p>
+        </p:txBody>
+      </p:sp>
+      <p:graphicFrame>
+        <p:nvGraphicFramePr>
+          <p:cNvPr id="9" name="Content Placeholder 8">
             <a:extLst>
               <a:ext uri="{FF2B5EF4-FFF2-40B4-BE49-F238E27FC236}">
-                <a16:creationId xmlns:a16="http://schemas.microsoft.com/office/drawing/2014/main" id="{93C52034-A71C-43A7-BCC0-67611CBB7F0C}"/>
+                <a16:creationId xmlns:a16="http://schemas.microsoft.com/office/drawing/2014/main" id="{2E80DE4F-49B8-4E2F-9CC8-56B7A03283C6}"/>
               </a:ext>
             </a:extLst>
           </p:cNvPr>
-          <p:cNvSpPr>
-            <a:spLocks noGrp="1"/>
-          </p:cNvSpPr>
-          <p:nvPr>
-            <p:ph type="body" idx="1"/>
-          </p:nvPr>
-        </p:nvSpPr>
-        <p:spPr>
-          <a:xfrm>
-            <a:off x="1097280" y="1846052"/>
-            <a:ext cx="7810746" cy="736282"/>
-          </a:xfrm>
-        </p:spPr>
-        <p:txBody>
-          <a:bodyPr>
-            <a:normAutofit/>
-          </a:bodyPr>
-          <a:lstStyle/>
-          <a:p>
-            <a:r>
-              <a:rPr lang="en-US" sz="2800" dirty="0"/>
-              <a:t>String-formatted Data Response</a:t>
-            </a:r>
-          </a:p>
-        </p:txBody>
-      </p:sp>
-      <p:sp>
-        <p:nvSpPr>
-          <p:cNvPr id="5" name="Content Placeholder 4">
-            <a:extLst>
-              <a:ext uri="{FF2B5EF4-FFF2-40B4-BE49-F238E27FC236}">
-                <a16:creationId xmlns:a16="http://schemas.microsoft.com/office/drawing/2014/main" id="{EBF28DAF-9857-4D04-88A6-D968E22EF356}"/>
-              </a:ext>
-            </a:extLst>
-          </p:cNvPr>
-          <p:cNvSpPr>
-            <a:spLocks noGrp="1"/>
-          </p:cNvSpPr>
-          <p:nvPr>
-            <p:ph sz="half" idx="2"/>
-          </p:nvPr>
-        </p:nvSpPr>
-        <p:spPr>
-          <a:xfrm>
-            <a:off x="1097280" y="2582334"/>
-            <a:ext cx="10058400" cy="3378200"/>
-          </a:xfrm>
-        </p:spPr>
-        <p:txBody>
-          <a:bodyPr>
-            <a:normAutofit/>
-          </a:bodyPr>
-          <a:lstStyle/>
-          <a:p>
-            <a:r>
-              <a:rPr lang="en-US" sz="2800" dirty="0"/>
-              <a:t>[</a:t>
-            </a:r>
-            <a:r>
-              <a:rPr lang="en-US" sz="2800" dirty="0" err="1"/>
-              <a:t>HttpGet</a:t>
-            </a:r>
-            <a:r>
-              <a:rPr lang="en-US" sz="2800" dirty="0"/>
-              <a:t>("version")]</a:t>
-            </a:r>
-          </a:p>
-          <a:p>
-            <a:r>
-              <a:rPr lang="en-US" sz="2800" dirty="0"/>
-              <a:t>public string Version()</a:t>
-            </a:r>
-          </a:p>
-          <a:p>
-            <a:r>
-              <a:rPr lang="en-US" sz="2800" dirty="0"/>
-              <a:t>{</a:t>
-            </a:r>
-          </a:p>
-          <a:p>
-            <a:r>
-              <a:rPr lang="en-US" sz="2800" dirty="0"/>
-              <a:t>    return "Version 1.0.0";</a:t>
-            </a:r>
-          </a:p>
-          <a:p>
-            <a:r>
-              <a:rPr lang="en-US" sz="2800" dirty="0"/>
-              <a:t>}</a:t>
-            </a:r>
-          </a:p>
-        </p:txBody>
-      </p:sp>
+          <p:cNvGraphicFramePr>
+            <a:graphicFrameLocks noGrp="1"/>
+          </p:cNvGraphicFramePr>
+          <p:nvPr>
+            <p:ph idx="1"/>
+            <p:extLst>
+              <p:ext uri="{D42A27DB-BD31-4B8C-83A1-F6EECF244321}">
+                <p14:modId xmlns:p14="http://schemas.microsoft.com/office/powerpoint/2010/main" val="716565679"/>
+              </p:ext>
+            </p:extLst>
+          </p:nvPr>
+        </p:nvGraphicFramePr>
+        <p:xfrm>
+          <a:off x="1096963" y="1846263"/>
+          <a:ext cx="10058400" cy="4022725"/>
+        </p:xfrm>
+        <a:graphic>
+          <a:graphicData uri="http://schemas.openxmlformats.org/drawingml/2006/diagram">
+            <dgm:relIds xmlns:dgm="http://schemas.openxmlformats.org/drawingml/2006/diagram" xmlns:r="http://schemas.openxmlformats.org/officeDocument/2006/relationships" r:dm="rId3" r:lo="rId4" r:qs="rId5" r:cs="rId6"/>
+          </a:graphicData>
+        </a:graphic>
+      </p:graphicFrame>
     </p:spTree>
     <p:extLst>
       <p:ext uri="{BB962C8B-B14F-4D97-AF65-F5344CB8AC3E}">
-        <p14:creationId xmlns:p14="http://schemas.microsoft.com/office/powerpoint/2010/main" val="4223394602"/>
+        <p14:creationId xmlns:p14="http://schemas.microsoft.com/office/powerpoint/2010/main" val="3054821267"/>
       </p:ext>
     </p:extLst>
   </p:cSld>
@@ -13268,10 +12504,10 @@
       </p:grpSpPr>
       <p:sp>
         <p:nvSpPr>
-          <p:cNvPr id="7" name="Title 6">
+          <p:cNvPr id="2" name="Title 1">
             <a:extLst>
               <a:ext uri="{FF2B5EF4-FFF2-40B4-BE49-F238E27FC236}">
-                <a16:creationId xmlns:a16="http://schemas.microsoft.com/office/drawing/2014/main" id="{38330B12-273F-46E1-935E-7A594CD14668}"/>
+                <a16:creationId xmlns:a16="http://schemas.microsoft.com/office/drawing/2014/main" id="{6C98C42C-32FD-4FC5-868A-8A3D6E848183}"/>
               </a:ext>
             </a:extLst>
           </p:cNvPr>
@@ -13289,46 +12525,219 @@
           <a:p>
             <a:r>
               <a:rPr lang="en-US" dirty="0"/>
-              <a:t>By default, ASP.NET 5 supports the following formats for responses:</a:t>
-            </a:r>
-          </a:p>
-        </p:txBody>
-      </p:sp>
-      <p:graphicFrame>
-        <p:nvGraphicFramePr>
-          <p:cNvPr id="9" name="Content Placeholder 8">
+              <a:t>Quiz – What will get returned?</a:t>
+            </a:r>
+          </a:p>
+        </p:txBody>
+      </p:sp>
+      <p:sp>
+        <p:nvSpPr>
+          <p:cNvPr id="3" name="Content Placeholder 2">
             <a:extLst>
               <a:ext uri="{FF2B5EF4-FFF2-40B4-BE49-F238E27FC236}">
-                <a16:creationId xmlns:a16="http://schemas.microsoft.com/office/drawing/2014/main" id="{2E80DE4F-49B8-4E2F-9CC8-56B7A03283C6}"/>
+                <a16:creationId xmlns:a16="http://schemas.microsoft.com/office/drawing/2014/main" id="{C0021D0A-0DF8-484D-AEDF-42CC14AC4421}"/>
               </a:ext>
             </a:extLst>
           </p:cNvPr>
-          <p:cNvGraphicFramePr>
-            <a:graphicFrameLocks noGrp="1"/>
-          </p:cNvGraphicFramePr>
+          <p:cNvSpPr>
+            <a:spLocks noGrp="1"/>
+          </p:cNvSpPr>
           <p:nvPr>
             <p:ph idx="1"/>
-            <p:extLst>
-              <p:ext uri="{D42A27DB-BD31-4B8C-83A1-F6EECF244321}">
-                <p14:modId xmlns:p14="http://schemas.microsoft.com/office/powerpoint/2010/main" val="716565679"/>
-              </p:ext>
-            </p:extLst>
-          </p:nvPr>
-        </p:nvGraphicFramePr>
-        <p:xfrm>
-          <a:off x="1096963" y="1846263"/>
-          <a:ext cx="10058400" cy="4022725"/>
-        </p:xfrm>
-        <a:graphic>
-          <a:graphicData uri="http://schemas.openxmlformats.org/drawingml/2006/diagram">
-            <dgm:relIds xmlns:dgm="http://schemas.openxmlformats.org/drawingml/2006/diagram" xmlns:r="http://schemas.openxmlformats.org/officeDocument/2006/relationships" r:dm="rId3" r:lo="rId4" r:qs="rId5" r:cs="rId6"/>
-          </a:graphicData>
-        </a:graphic>
-      </p:graphicFrame>
+          </p:nvPr>
+        </p:nvSpPr>
+        <p:spPr>
+          <a:xfrm>
+            <a:off x="1097280" y="2580968"/>
+            <a:ext cx="10058400" cy="3288126"/>
+          </a:xfrm>
+        </p:spPr>
+        <p:txBody>
+          <a:bodyPr>
+            <a:normAutofit/>
+          </a:bodyPr>
+          <a:lstStyle/>
+          <a:p>
+            <a:r>
+              <a:rPr lang="en-US" sz="2800" dirty="0">
+                <a:solidFill>
+                  <a:schemeClr val="accent2">
+                    <a:lumMod val="40000"/>
+                    <a:lumOff val="60000"/>
+                  </a:schemeClr>
+                </a:solidFill>
+              </a:rPr>
+              <a:t>[</a:t>
+            </a:r>
+            <a:r>
+              <a:rPr lang="en-US" sz="2800" dirty="0" err="1">
+                <a:solidFill>
+                  <a:schemeClr val="accent2">
+                    <a:lumMod val="40000"/>
+                    <a:lumOff val="60000"/>
+                  </a:schemeClr>
+                </a:solidFill>
+              </a:rPr>
+              <a:t>HttpGet</a:t>
+            </a:r>
+            <a:r>
+              <a:rPr lang="en-US" sz="2800" dirty="0">
+                <a:solidFill>
+                  <a:schemeClr val="accent2">
+                    <a:lumMod val="40000"/>
+                    <a:lumOff val="60000"/>
+                  </a:schemeClr>
+                </a:solidFill>
+              </a:rPr>
+              <a:t>("{id}", Name = "</a:t>
+            </a:r>
+            <a:r>
+              <a:rPr lang="en-US" sz="2800" dirty="0" err="1">
+                <a:solidFill>
+                  <a:schemeClr val="accent2">
+                    <a:lumMod val="40000"/>
+                    <a:lumOff val="60000"/>
+                  </a:schemeClr>
+                </a:solidFill>
+              </a:rPr>
+              <a:t>GetAlbumById</a:t>
+            </a:r>
+            <a:r>
+              <a:rPr lang="en-US" sz="2800" dirty="0">
+                <a:solidFill>
+                  <a:schemeClr val="accent2">
+                    <a:lumMod val="40000"/>
+                    <a:lumOff val="60000"/>
+                  </a:schemeClr>
+                </a:solidFill>
+              </a:rPr>
+              <a:t>")]</a:t>
+            </a:r>
+          </a:p>
+          <a:p>
+            <a:r>
+              <a:rPr lang="en-US" sz="2800" dirty="0">
+                <a:solidFill>
+                  <a:schemeClr val="accent2">
+                    <a:lumMod val="40000"/>
+                    <a:lumOff val="60000"/>
+                  </a:schemeClr>
+                </a:solidFill>
+              </a:rPr>
+              <a:t>public async Task&lt;</a:t>
+            </a:r>
+            <a:r>
+              <a:rPr lang="en-US" sz="2800" dirty="0" err="1">
+                <a:solidFill>
+                  <a:schemeClr val="accent2">
+                    <a:lumMod val="40000"/>
+                    <a:lumOff val="60000"/>
+                  </a:schemeClr>
+                </a:solidFill>
+              </a:rPr>
+              <a:t>ActionResult</a:t>
+            </a:r>
+            <a:r>
+              <a:rPr lang="en-US" sz="2800" dirty="0">
+                <a:solidFill>
+                  <a:schemeClr val="accent2">
+                    <a:lumMod val="40000"/>
+                    <a:lumOff val="60000"/>
+                  </a:schemeClr>
+                </a:solidFill>
+              </a:rPr>
+              <a:t>&lt;</a:t>
+            </a:r>
+            <a:r>
+              <a:rPr lang="en-US" sz="2800" dirty="0" err="1">
+                <a:solidFill>
+                  <a:schemeClr val="accent2">
+                    <a:lumMod val="40000"/>
+                    <a:lumOff val="60000"/>
+                  </a:schemeClr>
+                </a:solidFill>
+              </a:rPr>
+              <a:t>AlbumApiModel</a:t>
+            </a:r>
+            <a:r>
+              <a:rPr lang="en-US" sz="2800" dirty="0">
+                <a:solidFill>
+                  <a:schemeClr val="accent2">
+                    <a:lumMod val="40000"/>
+                    <a:lumOff val="60000"/>
+                  </a:schemeClr>
+                </a:solidFill>
+              </a:rPr>
+              <a:t>&gt;&gt; Get(int id)</a:t>
+            </a:r>
+          </a:p>
+          <a:p>
+            <a:r>
+              <a:rPr lang="en-US" sz="2800" dirty="0">
+                <a:solidFill>
+                  <a:schemeClr val="accent2">
+                    <a:lumMod val="40000"/>
+                    <a:lumOff val="60000"/>
+                  </a:schemeClr>
+                </a:solidFill>
+              </a:rPr>
+              <a:t>{</a:t>
+            </a:r>
+          </a:p>
+          <a:p>
+            <a:r>
+              <a:rPr lang="en-US" sz="2800" dirty="0">
+                <a:solidFill>
+                  <a:schemeClr val="accent2">
+                    <a:lumMod val="40000"/>
+                    <a:lumOff val="60000"/>
+                  </a:schemeClr>
+                </a:solidFill>
+              </a:rPr>
+              <a:t>	return await _</a:t>
+            </a:r>
+            <a:r>
+              <a:rPr lang="en-US" sz="2800" dirty="0" err="1">
+                <a:solidFill>
+                  <a:schemeClr val="accent2">
+                    <a:lumMod val="40000"/>
+                    <a:lumOff val="60000"/>
+                  </a:schemeClr>
+                </a:solidFill>
+              </a:rPr>
+              <a:t>chinookSupervisor.GetAlbumById</a:t>
+            </a:r>
+            <a:r>
+              <a:rPr lang="en-US" sz="2800" dirty="0">
+                <a:solidFill>
+                  <a:schemeClr val="accent2">
+                    <a:lumMod val="40000"/>
+                    <a:lumOff val="60000"/>
+                  </a:schemeClr>
+                </a:solidFill>
+              </a:rPr>
+              <a:t>(id);</a:t>
+            </a:r>
+          </a:p>
+          <a:p>
+            <a:r>
+              <a:rPr lang="en-US" sz="2800" dirty="0">
+                <a:solidFill>
+                  <a:schemeClr val="accent2">
+                    <a:lumMod val="40000"/>
+                    <a:lumOff val="60000"/>
+                  </a:schemeClr>
+                </a:solidFill>
+              </a:rPr>
+              <a:t>}</a:t>
+            </a:r>
+          </a:p>
+        </p:txBody>
+      </p:sp>
     </p:spTree>
     <p:extLst>
       <p:ext uri="{BB962C8B-B14F-4D97-AF65-F5344CB8AC3E}">
-        <p14:creationId xmlns:p14="http://schemas.microsoft.com/office/powerpoint/2010/main" val="3054821267"/>
+        <p14:creationId xmlns:p14="http://schemas.microsoft.com/office/powerpoint/2010/main" val="1971721141"/>
       </p:ext>
     </p:extLst>
   </p:cSld>
@@ -13360,7 +12769,7 @@
           <p:cNvPr id="2" name="Title 1">
             <a:extLst>
               <a:ext uri="{FF2B5EF4-FFF2-40B4-BE49-F238E27FC236}">
-                <a16:creationId xmlns:a16="http://schemas.microsoft.com/office/drawing/2014/main" id="{6C98C42C-32FD-4FC5-868A-8A3D6E848183}"/>
+                <a16:creationId xmlns:a16="http://schemas.microsoft.com/office/drawing/2014/main" id="{16F5FC07-5B8F-46B1-8DC5-982A2FD913FF}"/>
               </a:ext>
             </a:extLst>
           </p:cNvPr>
@@ -13378,7 +12787,7 @@
           <a:p>
             <a:r>
               <a:rPr lang="en-US" dirty="0"/>
-              <a:t>Quiz – What will get returned?</a:t>
+              <a:t>Web Browser &amp; Response Formats</a:t>
             </a:r>
           </a:p>
         </p:txBody>
@@ -13388,7 +12797,7 @@
           <p:cNvPr id="3" name="Content Placeholder 2">
             <a:extLst>
               <a:ext uri="{FF2B5EF4-FFF2-40B4-BE49-F238E27FC236}">
-                <a16:creationId xmlns:a16="http://schemas.microsoft.com/office/drawing/2014/main" id="{C0021D0A-0DF8-484D-AEDF-42CC14AC4421}"/>
+                <a16:creationId xmlns:a16="http://schemas.microsoft.com/office/drawing/2014/main" id="{CE34BBD6-91A8-4115-A570-69D7B5C66775}"/>
               </a:ext>
             </a:extLst>
           </p:cNvPr>
@@ -13399,190 +12808,167 @@
             <p:ph idx="1"/>
           </p:nvPr>
         </p:nvSpPr>
-        <p:spPr>
-          <a:xfrm>
-            <a:off x="1097280" y="2580968"/>
-            <a:ext cx="10058400" cy="3288126"/>
-          </a:xfrm>
-        </p:spPr>
-        <p:txBody>
-          <a:bodyPr>
-            <a:normAutofit/>
-          </a:bodyPr>
+        <p:spPr/>
+        <p:txBody>
+          <a:bodyPr/>
           <a:lstStyle/>
           <a:p>
-            <a:r>
-              <a:rPr lang="en-US" sz="2800" dirty="0">
+            <a:pPr marL="0" indent="0">
+              <a:buNone/>
+            </a:pPr>
+            <a:r>
+              <a:rPr lang="en-US" dirty="0"/>
+              <a:t>When ASP.NET 6 Web API detects a browser calling an endpoint what happens?</a:t>
+            </a:r>
+          </a:p>
+          <a:p>
+            <a:pPr>
+              <a:buFont typeface="Wingdings" panose="05000000000000000000" pitchFamily="2" charset="2"/>
+              <a:buChar char="v"/>
+            </a:pPr>
+            <a:r>
+              <a:rPr lang="en-US" dirty="0"/>
+              <a:t>   The Accept header is ignored.</a:t>
+            </a:r>
+          </a:p>
+          <a:p>
+            <a:pPr>
+              <a:buFont typeface="Wingdings" panose="05000000000000000000" pitchFamily="2" charset="2"/>
+              <a:buChar char="v"/>
+            </a:pPr>
+            <a:r>
+              <a:rPr lang="en-US" dirty="0"/>
+              <a:t>   The content is returned in JSON, unless otherwise configured.</a:t>
+            </a:r>
+          </a:p>
+          <a:p>
+            <a:pPr marL="0" indent="0">
+              <a:buNone/>
+            </a:pPr>
+            <a:r>
+              <a:rPr lang="en-US" b="0" i="0" dirty="0">
+                <a:solidFill>
+                  <a:srgbClr val="E6E6E6"/>
+                </a:solidFill>
+                <a:effectLst/>
+                <a:latin typeface="Segoe UI" panose="020B0502040204020203" pitchFamily="34" charset="0"/>
+              </a:rPr>
+              <a:t>To configure an app to honor browser accept headers:</a:t>
+            </a:r>
+          </a:p>
+          <a:p>
+            <a:pPr marL="0" indent="0">
+              <a:buNone/>
+            </a:pPr>
+            <a:endParaRPr lang="en-US" dirty="0">
+              <a:solidFill>
+                <a:srgbClr val="E6E6E6"/>
+              </a:solidFill>
+              <a:latin typeface="Segoe UI" panose="020B0502040204020203" pitchFamily="34" charset="0"/>
+            </a:endParaRPr>
+          </a:p>
+          <a:p>
+            <a:pPr marL="0" indent="0">
+              <a:buNone/>
+            </a:pPr>
+            <a:r>
+              <a:rPr lang="en-US" dirty="0" err="1">
                 <a:solidFill>
                   <a:schemeClr val="accent2">
                     <a:lumMod val="40000"/>
                     <a:lumOff val="60000"/>
                   </a:schemeClr>
                 </a:solidFill>
+                <a:latin typeface="Consolas" panose="020B0609020204030204" pitchFamily="49" charset="0"/>
               </a:rPr>
-              <a:t>[</a:t>
-            </a:r>
-            <a:r>
-              <a:rPr lang="en-US" sz="2800" dirty="0" err="1">
+              <a:t>services.AddControllers</a:t>
+            </a:r>
+            <a:r>
+              <a:rPr lang="en-US" dirty="0">
                 <a:solidFill>
                   <a:schemeClr val="accent2">
                     <a:lumMod val="40000"/>
                     <a:lumOff val="60000"/>
                   </a:schemeClr>
                 </a:solidFill>
+                <a:latin typeface="Consolas" panose="020B0609020204030204" pitchFamily="49" charset="0"/>
               </a:rPr>
-              <a:t>HttpGet</a:t>
-            </a:r>
-            <a:r>
-              <a:rPr lang="en-US" sz="2800" dirty="0">
+              <a:t>(options =&gt;</a:t>
+            </a:r>
+          </a:p>
+          <a:p>
+            <a:pPr marL="0" indent="0">
+              <a:buNone/>
+            </a:pPr>
+            <a:r>
+              <a:rPr lang="en-US" dirty="0">
                 <a:solidFill>
                   <a:schemeClr val="accent2">
                     <a:lumMod val="40000"/>
                     <a:lumOff val="60000"/>
                   </a:schemeClr>
                 </a:solidFill>
+                <a:latin typeface="Consolas" panose="020B0609020204030204" pitchFamily="49" charset="0"/>
               </a:rPr>
-              <a:t>("{id}", Name = "</a:t>
-            </a:r>
-            <a:r>
-              <a:rPr lang="en-US" sz="2800" dirty="0" err="1">
+              <a:t>{</a:t>
+            </a:r>
+          </a:p>
+          <a:p>
+            <a:pPr marL="0" indent="0">
+              <a:buNone/>
+            </a:pPr>
+            <a:r>
+              <a:rPr lang="en-US" dirty="0">
                 <a:solidFill>
                   <a:schemeClr val="accent2">
                     <a:lumMod val="40000"/>
                     <a:lumOff val="60000"/>
                   </a:schemeClr>
                 </a:solidFill>
+                <a:latin typeface="Consolas" panose="020B0609020204030204" pitchFamily="49" charset="0"/>
               </a:rPr>
-              <a:t>GetAlbumById</a:t>
-            </a:r>
-            <a:r>
-              <a:rPr lang="en-US" sz="2800" dirty="0">
+              <a:t>	</a:t>
+            </a:r>
+            <a:r>
+              <a:rPr lang="en-US" dirty="0" err="1">
                 <a:solidFill>
                   <a:schemeClr val="accent2">
                     <a:lumMod val="40000"/>
                     <a:lumOff val="60000"/>
                   </a:schemeClr>
                 </a:solidFill>
+                <a:latin typeface="Consolas" panose="020B0609020204030204" pitchFamily="49" charset="0"/>
               </a:rPr>
-              <a:t>")]</a:t>
-            </a:r>
-          </a:p>
-          <a:p>
-            <a:r>
-              <a:rPr lang="en-US" sz="2800" dirty="0">
+              <a:t>options.RespectBrowserAcceptHeader</a:t>
+            </a:r>
+            <a:r>
+              <a:rPr lang="en-US" dirty="0">
                 <a:solidFill>
                   <a:schemeClr val="accent2">
                     <a:lumMod val="40000"/>
                     <a:lumOff val="60000"/>
                   </a:schemeClr>
                 </a:solidFill>
+                <a:latin typeface="Consolas" panose="020B0609020204030204" pitchFamily="49" charset="0"/>
               </a:rPr>
-              <a:t>public async Task&lt;</a:t>
-            </a:r>
-            <a:r>
-              <a:rPr lang="en-US" sz="2800" dirty="0" err="1">
+              <a:t> = true; // false by default</a:t>
+            </a:r>
+          </a:p>
+          <a:p>
+            <a:pPr marL="0" indent="0">
+              <a:buNone/>
+            </a:pPr>
+            <a:r>
+              <a:rPr lang="en-US" dirty="0">
                 <a:solidFill>
                   <a:schemeClr val="accent2">
                     <a:lumMod val="40000"/>
                     <a:lumOff val="60000"/>
                   </a:schemeClr>
                 </a:solidFill>
+                <a:latin typeface="Consolas" panose="020B0609020204030204" pitchFamily="49" charset="0"/>
               </a:rPr>
-              <a:t>ActionResult</a:t>
-            </a:r>
-            <a:r>
-              <a:rPr lang="en-US" sz="2800" dirty="0">
-                <a:solidFill>
-                  <a:schemeClr val="accent2">
-                    <a:lumMod val="40000"/>
-                    <a:lumOff val="60000"/>
-                  </a:schemeClr>
-                </a:solidFill>
-              </a:rPr>
-              <a:t>&lt;</a:t>
-            </a:r>
-            <a:r>
-              <a:rPr lang="en-US" sz="2800" dirty="0" err="1">
-                <a:solidFill>
-                  <a:schemeClr val="accent2">
-                    <a:lumMod val="40000"/>
-                    <a:lumOff val="60000"/>
-                  </a:schemeClr>
-                </a:solidFill>
-              </a:rPr>
-              <a:t>AlbumApiModel</a:t>
-            </a:r>
-            <a:r>
-              <a:rPr lang="en-US" sz="2800" dirty="0">
-                <a:solidFill>
-                  <a:schemeClr val="accent2">
-                    <a:lumMod val="40000"/>
-                    <a:lumOff val="60000"/>
-                  </a:schemeClr>
-                </a:solidFill>
-              </a:rPr>
-              <a:t>&gt;&gt; Get(int id)</a:t>
-            </a:r>
-          </a:p>
-          <a:p>
-            <a:r>
-              <a:rPr lang="en-US" sz="2800" dirty="0">
-                <a:solidFill>
-                  <a:schemeClr val="accent2">
-                    <a:lumMod val="40000"/>
-                    <a:lumOff val="60000"/>
-                  </a:schemeClr>
-                </a:solidFill>
-              </a:rPr>
-              <a:t>{</a:t>
-            </a:r>
-          </a:p>
-          <a:p>
-            <a:r>
-              <a:rPr lang="en-US" sz="2800" dirty="0">
-                <a:solidFill>
-                  <a:schemeClr val="accent2">
-                    <a:lumMod val="40000"/>
-                    <a:lumOff val="60000"/>
-                  </a:schemeClr>
-                </a:solidFill>
-              </a:rPr>
-              <a:t>	return await _</a:t>
-            </a:r>
-            <a:r>
-              <a:rPr lang="en-US" sz="2800" dirty="0" err="1">
-                <a:solidFill>
-                  <a:schemeClr val="accent2">
-                    <a:lumMod val="40000"/>
-                    <a:lumOff val="60000"/>
-                  </a:schemeClr>
-                </a:solidFill>
-              </a:rPr>
-              <a:t>chinookSupervisor.GetAlbumById</a:t>
-            </a:r>
-            <a:r>
-              <a:rPr lang="en-US" sz="2800" dirty="0">
-                <a:solidFill>
-                  <a:schemeClr val="accent2">
-                    <a:lumMod val="40000"/>
-                    <a:lumOff val="60000"/>
-                  </a:schemeClr>
-                </a:solidFill>
-              </a:rPr>
-              <a:t>(id);</a:t>
-            </a:r>
-          </a:p>
-          <a:p>
-            <a:r>
-              <a:rPr lang="en-US" sz="2800" dirty="0">
-                <a:solidFill>
-                  <a:schemeClr val="accent2">
-                    <a:lumMod val="40000"/>
-                    <a:lumOff val="60000"/>
-                  </a:schemeClr>
-                </a:solidFill>
-              </a:rPr>
-              <a:t>}</a:t>
+              <a:t>});</a:t>
             </a:r>
           </a:p>
         </p:txBody>
@@ -13590,7 +12976,7 @@
     </p:spTree>
     <p:extLst>
       <p:ext uri="{BB962C8B-B14F-4D97-AF65-F5344CB8AC3E}">
-        <p14:creationId xmlns:p14="http://schemas.microsoft.com/office/powerpoint/2010/main" val="1971721141"/>
+        <p14:creationId xmlns:p14="http://schemas.microsoft.com/office/powerpoint/2010/main" val="2599902020"/>
       </p:ext>
     </p:extLst>
   </p:cSld>
@@ -13663,35 +13049,21 @@
         </p:nvSpPr>
         <p:spPr/>
         <p:txBody>
-          <a:bodyPr/>
+          <a:bodyPr>
+            <a:normAutofit/>
+          </a:bodyPr>
           <a:lstStyle/>
           <a:p>
             <a:pPr marL="0" indent="0">
               <a:buNone/>
             </a:pPr>
             <a:r>
-              <a:rPr lang="en-US" dirty="0"/>
-              <a:t>When ASP.NET 5 Web API detects a browser calling an endpoint what happens?</a:t>
-            </a:r>
-          </a:p>
-          <a:p>
-            <a:pPr>
-              <a:buFont typeface="Wingdings" panose="05000000000000000000" pitchFamily="2" charset="2"/>
-              <a:buChar char="v"/>
-            </a:pPr>
-            <a:r>
-              <a:rPr lang="en-US" dirty="0"/>
-              <a:t>   The Accept header is ignored.</a:t>
-            </a:r>
-          </a:p>
-          <a:p>
-            <a:pPr>
-              <a:buFont typeface="Wingdings" panose="05000000000000000000" pitchFamily="2" charset="2"/>
-              <a:buChar char="v"/>
-            </a:pPr>
-            <a:r>
-              <a:rPr lang="en-US" dirty="0"/>
-              <a:t>   The content is returned in JSON, unless otherwise configured.</a:t>
+              <a:rPr lang="en-US" sz="3600" dirty="0">
+                <a:solidFill>
+                  <a:srgbClr val="E6E6E6"/>
+                </a:solidFill>
+              </a:rPr>
+              <a:t>If no formatter is found that can satisfy the client's request, ASP.NET Core will:</a:t>
             </a:r>
           </a:p>
           <a:p>
@@ -13699,129 +13071,37 @@
               <a:buNone/>
             </a:pPr>
             <a:r>
-              <a:rPr lang="en-US" b="0" i="0" dirty="0">
-                <a:solidFill>
-                  <a:srgbClr val="E6E6E6"/>
-                </a:solidFill>
-                <a:effectLst/>
-                <a:latin typeface="Segoe UI" panose="020B0502040204020203" pitchFamily="34" charset="0"/>
-              </a:rPr>
-              <a:t>To configure an app to honor browser accept headers:</a:t>
-            </a:r>
-          </a:p>
-          <a:p>
-            <a:pPr marL="0" indent="0">
-              <a:buNone/>
-            </a:pPr>
-            <a:endParaRPr lang="en-US" dirty="0">
-              <a:solidFill>
-                <a:srgbClr val="E6E6E6"/>
-              </a:solidFill>
-              <a:latin typeface="Segoe UI" panose="020B0502040204020203" pitchFamily="34" charset="0"/>
-            </a:endParaRPr>
-          </a:p>
-          <a:p>
-            <a:pPr marL="0" indent="0">
-              <a:buNone/>
-            </a:pPr>
-            <a:r>
-              <a:rPr lang="en-US" dirty="0" err="1">
+              <a:rPr lang="en-US" sz="3600" dirty="0">
                 <a:solidFill>
                   <a:schemeClr val="accent2">
                     <a:lumMod val="40000"/>
                     <a:lumOff val="60000"/>
                   </a:schemeClr>
                 </a:solidFill>
-                <a:latin typeface="Consolas" panose="020B0609020204030204" pitchFamily="49" charset="0"/>
               </a:rPr>
-              <a:t>services.AddControllers</a:t>
-            </a:r>
-            <a:r>
-              <a:rPr lang="en-US" dirty="0">
+              <a:t>Returns 406 Not Acceptable if </a:t>
+            </a:r>
+            <a:r>
+              <a:rPr lang="en-US" sz="3600" dirty="0" err="1">
                 <a:solidFill>
                   <a:schemeClr val="accent2">
                     <a:lumMod val="40000"/>
                     <a:lumOff val="60000"/>
                   </a:schemeClr>
                 </a:solidFill>
-                <a:latin typeface="Consolas" panose="020B0609020204030204" pitchFamily="49" charset="0"/>
               </a:rPr>
-              <a:t>(options =&gt;</a:t>
-            </a:r>
-          </a:p>
-          <a:p>
-            <a:pPr marL="0" indent="0">
-              <a:buNone/>
-            </a:pPr>
-            <a:r>
-              <a:rPr lang="en-US" dirty="0">
+              <a:t>MvcOptions.ReturnHttpNotAcceptable</a:t>
+            </a:r>
+            <a:r>
+              <a:rPr lang="en-US" sz="3600" dirty="0">
                 <a:solidFill>
                   <a:schemeClr val="accent2">
                     <a:lumMod val="40000"/>
                     <a:lumOff val="60000"/>
                   </a:schemeClr>
                 </a:solidFill>
-                <a:latin typeface="Consolas" panose="020B0609020204030204" pitchFamily="49" charset="0"/>
               </a:rPr>
-              <a:t>{</a:t>
-            </a:r>
-          </a:p>
-          <a:p>
-            <a:pPr marL="0" indent="0">
-              <a:buNone/>
-            </a:pPr>
-            <a:r>
-              <a:rPr lang="en-US" dirty="0">
-                <a:solidFill>
-                  <a:schemeClr val="accent2">
-                    <a:lumMod val="40000"/>
-                    <a:lumOff val="60000"/>
-                  </a:schemeClr>
-                </a:solidFill>
-                <a:latin typeface="Consolas" panose="020B0609020204030204" pitchFamily="49" charset="0"/>
-              </a:rPr>
-              <a:t>	</a:t>
-            </a:r>
-            <a:r>
-              <a:rPr lang="en-US" dirty="0" err="1">
-                <a:solidFill>
-                  <a:schemeClr val="accent2">
-                    <a:lumMod val="40000"/>
-                    <a:lumOff val="60000"/>
-                  </a:schemeClr>
-                </a:solidFill>
-                <a:latin typeface="Consolas" panose="020B0609020204030204" pitchFamily="49" charset="0"/>
-              </a:rPr>
-              <a:t>options.RespectBrowserAcceptHeader</a:t>
-            </a:r>
-            <a:r>
-              <a:rPr lang="en-US" dirty="0">
-                <a:solidFill>
-                  <a:schemeClr val="accent2">
-                    <a:lumMod val="40000"/>
-                    <a:lumOff val="60000"/>
-                  </a:schemeClr>
-                </a:solidFill>
-                <a:latin typeface="Consolas" panose="020B0609020204030204" pitchFamily="49" charset="0"/>
-              </a:rPr>
-              <a:t> = true; // false by default</a:t>
-            </a:r>
-          </a:p>
-          <a:p>
-            <a:pPr marL="0" indent="0">
-              <a:buNone/>
-            </a:pPr>
-            <a:r>
-              <a:rPr lang="en-US" dirty="0">
-                <a:solidFill>
-                  <a:schemeClr val="accent2">
-                    <a:lumMod val="40000"/>
-                    <a:lumOff val="60000"/>
-                  </a:schemeClr>
-                </a:solidFill>
-                <a:latin typeface="Consolas" panose="020B0609020204030204" pitchFamily="49" charset="0"/>
-              </a:rPr>
-              <a:t>});</a:t>
+              <a:t> is set to true</a:t>
             </a:r>
           </a:p>
         </p:txBody>
@@ -13829,7 +13109,7 @@
     </p:spTree>
     <p:extLst>
       <p:ext uri="{BB962C8B-B14F-4D97-AF65-F5344CB8AC3E}">
-        <p14:creationId xmlns:p14="http://schemas.microsoft.com/office/powerpoint/2010/main" val="2599902020"/>
+        <p14:creationId xmlns:p14="http://schemas.microsoft.com/office/powerpoint/2010/main" val="627845760"/>
       </p:ext>
     </p:extLst>
   </p:cSld>
@@ -13861,7 +13141,7 @@
           <p:cNvPr id="2" name="Title 1">
             <a:extLst>
               <a:ext uri="{FF2B5EF4-FFF2-40B4-BE49-F238E27FC236}">
-                <a16:creationId xmlns:a16="http://schemas.microsoft.com/office/drawing/2014/main" id="{16F5FC07-5B8F-46B1-8DC5-982A2FD913FF}"/>
+                <a16:creationId xmlns:a16="http://schemas.microsoft.com/office/drawing/2014/main" id="{407F5DD5-C691-4781-A745-B1506DD10514}"/>
               </a:ext>
             </a:extLst>
           </p:cNvPr>
@@ -13879,7 +13159,7 @@
           <a:p>
             <a:r>
               <a:rPr lang="en-US" dirty="0"/>
-              <a:t>Web Browser &amp; Response Formats</a:t>
+              <a:t>Restrict Response Formats</a:t>
             </a:r>
           </a:p>
         </p:txBody>
@@ -13889,7 +13169,7 @@
           <p:cNvPr id="3" name="Content Placeholder 2">
             <a:extLst>
               <a:ext uri="{FF2B5EF4-FFF2-40B4-BE49-F238E27FC236}">
-                <a16:creationId xmlns:a16="http://schemas.microsoft.com/office/drawing/2014/main" id="{CE34BBD6-91A8-4115-A570-69D7B5C66775}"/>
+                <a16:creationId xmlns:a16="http://schemas.microsoft.com/office/drawing/2014/main" id="{E97F3976-391B-4587-BC70-F1994960813A}"/>
               </a:ext>
             </a:extLst>
           </p:cNvPr>
@@ -13900,61 +13180,211 @@
             <p:ph idx="1"/>
           </p:nvPr>
         </p:nvSpPr>
-        <p:spPr/>
+        <p:spPr>
+          <a:xfrm>
+            <a:off x="1097280" y="1845733"/>
+            <a:ext cx="10058400" cy="4422331"/>
+          </a:xfrm>
+        </p:spPr>
         <p:txBody>
           <a:bodyPr>
-            <a:normAutofit/>
+            <a:normAutofit lnSpcReduction="10000"/>
           </a:bodyPr>
           <a:lstStyle/>
           <a:p>
-            <a:pPr marL="0" indent="0">
-              <a:buNone/>
-            </a:pPr>
-            <a:r>
-              <a:rPr lang="en-US" sz="3600" dirty="0">
-                <a:solidFill>
-                  <a:srgbClr val="E6E6E6"/>
-                </a:solidFill>
-              </a:rPr>
-              <a:t>If no formatter is found that can satisfy the client's request, ASP.NET Core will:</a:t>
-            </a:r>
-          </a:p>
-          <a:p>
-            <a:pPr marL="0" indent="0">
-              <a:buNone/>
-            </a:pPr>
-            <a:r>
-              <a:rPr lang="en-US" sz="3600" dirty="0">
+            <a:r>
+              <a:rPr lang="en-US" sz="3200" dirty="0"/>
+              <a:t>To restrict the response formats, apply the [Produces] filter. Like most Filters, [Produces] can be applied at the action, controller, or global scope:</a:t>
+            </a:r>
+          </a:p>
+          <a:p>
+            <a:r>
+              <a:rPr lang="en-US" sz="2600" dirty="0">
                 <a:solidFill>
                   <a:schemeClr val="accent2">
                     <a:lumMod val="40000"/>
                     <a:lumOff val="60000"/>
                   </a:schemeClr>
                 </a:solidFill>
+                <a:latin typeface="Consolas" panose="020B0609020204030204" pitchFamily="49" charset="0"/>
               </a:rPr>
-              <a:t>Returns 406 Not Acceptable if </a:t>
-            </a:r>
-            <a:r>
-              <a:rPr lang="en-US" sz="3600" dirty="0" err="1">
+              <a:t>[</a:t>
+            </a:r>
+            <a:r>
+              <a:rPr lang="en-US" sz="2600" dirty="0" err="1">
                 <a:solidFill>
                   <a:schemeClr val="accent2">
                     <a:lumMod val="40000"/>
                     <a:lumOff val="60000"/>
                   </a:schemeClr>
                 </a:solidFill>
+                <a:latin typeface="Consolas" panose="020B0609020204030204" pitchFamily="49" charset="0"/>
               </a:rPr>
-              <a:t>MvcOptions.ReturnHttpNotAcceptable</a:t>
-            </a:r>
-            <a:r>
-              <a:rPr lang="en-US" sz="3600" dirty="0">
+              <a:t>HttpPost</a:t>
+            </a:r>
+            <a:r>
+              <a:rPr lang="en-US" sz="2600" dirty="0">
                 <a:solidFill>
                   <a:schemeClr val="accent2">
                     <a:lumMod val="40000"/>
                     <a:lumOff val="60000"/>
                   </a:schemeClr>
                 </a:solidFill>
+                <a:latin typeface="Consolas" panose="020B0609020204030204" pitchFamily="49" charset="0"/>
               </a:rPr>
-              <a:t> is set to true</a:t>
+              <a:t>]</a:t>
+            </a:r>
+          </a:p>
+          <a:p>
+            <a:r>
+              <a:rPr lang="en-US" sz="2600" dirty="0">
+                <a:solidFill>
+                  <a:schemeClr val="accent2">
+                    <a:lumMod val="40000"/>
+                    <a:lumOff val="60000"/>
+                  </a:schemeClr>
+                </a:solidFill>
+                <a:latin typeface="Consolas" panose="020B0609020204030204" pitchFamily="49" charset="0"/>
+              </a:rPr>
+              <a:t>[Produces("application/json")]</a:t>
+            </a:r>
+          </a:p>
+          <a:p>
+            <a:r>
+              <a:rPr lang="en-US" sz="2600" dirty="0">
+                <a:solidFill>
+                  <a:schemeClr val="accent2">
+                    <a:lumMod val="40000"/>
+                    <a:lumOff val="60000"/>
+                  </a:schemeClr>
+                </a:solidFill>
+                <a:latin typeface="Consolas" panose="020B0609020204030204" pitchFamily="49" charset="0"/>
+              </a:rPr>
+              <a:t>[Consumes("application/json")]</a:t>
+            </a:r>
+          </a:p>
+          <a:p>
+            <a:r>
+              <a:rPr lang="en-US" sz="2600" dirty="0">
+                <a:solidFill>
+                  <a:schemeClr val="accent2">
+                    <a:lumMod val="40000"/>
+                    <a:lumOff val="60000"/>
+                  </a:schemeClr>
+                </a:solidFill>
+                <a:latin typeface="Consolas" panose="020B0609020204030204" pitchFamily="49" charset="0"/>
+              </a:rPr>
+              <a:t>public async Task&lt;</a:t>
+            </a:r>
+            <a:r>
+              <a:rPr lang="en-US" sz="2600" dirty="0" err="1">
+                <a:solidFill>
+                  <a:schemeClr val="accent2">
+                    <a:lumMod val="40000"/>
+                    <a:lumOff val="60000"/>
+                  </a:schemeClr>
+                </a:solidFill>
+                <a:latin typeface="Consolas" panose="020B0609020204030204" pitchFamily="49" charset="0"/>
+              </a:rPr>
+              <a:t>ActionResult</a:t>
+            </a:r>
+            <a:r>
+              <a:rPr lang="en-US" sz="2600" dirty="0">
+                <a:solidFill>
+                  <a:schemeClr val="accent2">
+                    <a:lumMod val="40000"/>
+                    <a:lumOff val="60000"/>
+                  </a:schemeClr>
+                </a:solidFill>
+                <a:latin typeface="Consolas" panose="020B0609020204030204" pitchFamily="49" charset="0"/>
+              </a:rPr>
+              <a:t>&lt;</a:t>
+            </a:r>
+            <a:r>
+              <a:rPr lang="en-US" sz="2600" dirty="0" err="1">
+                <a:solidFill>
+                  <a:schemeClr val="accent2">
+                    <a:lumMod val="40000"/>
+                    <a:lumOff val="60000"/>
+                  </a:schemeClr>
+                </a:solidFill>
+                <a:latin typeface="Consolas" panose="020B0609020204030204" pitchFamily="49" charset="0"/>
+              </a:rPr>
+              <a:t>ArtistApiModel</a:t>
+            </a:r>
+            <a:r>
+              <a:rPr lang="en-US" sz="2600" dirty="0">
+                <a:solidFill>
+                  <a:schemeClr val="accent2">
+                    <a:lumMod val="40000"/>
+                    <a:lumOff val="60000"/>
+                  </a:schemeClr>
+                </a:solidFill>
+                <a:latin typeface="Consolas" panose="020B0609020204030204" pitchFamily="49" charset="0"/>
+              </a:rPr>
+              <a:t>&gt;&gt; Post([</a:t>
+            </a:r>
+            <a:r>
+              <a:rPr lang="en-US" sz="2600" dirty="0" err="1">
+                <a:solidFill>
+                  <a:schemeClr val="accent2">
+                    <a:lumMod val="40000"/>
+                    <a:lumOff val="60000"/>
+                  </a:schemeClr>
+                </a:solidFill>
+                <a:latin typeface="Consolas" panose="020B0609020204030204" pitchFamily="49" charset="0"/>
+              </a:rPr>
+              <a:t>FromBody</a:t>
+            </a:r>
+            <a:r>
+              <a:rPr lang="en-US" sz="2600" dirty="0">
+                <a:solidFill>
+                  <a:schemeClr val="accent2">
+                    <a:lumMod val="40000"/>
+                    <a:lumOff val="60000"/>
+                  </a:schemeClr>
+                </a:solidFill>
+                <a:latin typeface="Consolas" panose="020B0609020204030204" pitchFamily="49" charset="0"/>
+              </a:rPr>
+              <a:t>] </a:t>
+            </a:r>
+            <a:r>
+              <a:rPr lang="en-US" sz="2600" dirty="0" err="1">
+                <a:solidFill>
+                  <a:schemeClr val="accent2">
+                    <a:lumMod val="40000"/>
+                    <a:lumOff val="60000"/>
+                  </a:schemeClr>
+                </a:solidFill>
+                <a:latin typeface="Consolas" panose="020B0609020204030204" pitchFamily="49" charset="0"/>
+              </a:rPr>
+              <a:t>ArtistApiModel</a:t>
+            </a:r>
+            <a:r>
+              <a:rPr lang="en-US" sz="2600" dirty="0">
+                <a:solidFill>
+                  <a:schemeClr val="accent2">
+                    <a:lumMod val="40000"/>
+                    <a:lumOff val="60000"/>
+                  </a:schemeClr>
+                </a:solidFill>
+                <a:latin typeface="Consolas" panose="020B0609020204030204" pitchFamily="49" charset="0"/>
+              </a:rPr>
+              <a:t> input)</a:t>
+            </a:r>
+          </a:p>
+          <a:p>
+            <a:r>
+              <a:rPr lang="en-US" sz="2600" dirty="0">
+                <a:solidFill>
+                  <a:schemeClr val="accent2">
+                    <a:lumMod val="40000"/>
+                    <a:lumOff val="60000"/>
+                  </a:schemeClr>
+                </a:solidFill>
+                <a:latin typeface="Consolas" panose="020B0609020204030204" pitchFamily="49" charset="0"/>
+              </a:rPr>
+              <a:t>{</a:t>
             </a:r>
           </a:p>
         </p:txBody>
@@ -13962,7 +13392,7 @@
     </p:spTree>
     <p:extLst>
       <p:ext uri="{BB962C8B-B14F-4D97-AF65-F5344CB8AC3E}">
-        <p14:creationId xmlns:p14="http://schemas.microsoft.com/office/powerpoint/2010/main" val="627845760"/>
+        <p14:creationId xmlns:p14="http://schemas.microsoft.com/office/powerpoint/2010/main" val="1416307190"/>
       </p:ext>
     </p:extLst>
   </p:cSld>
